--- a/manuscript/Figures/Fig2.pptx
+++ b/manuscript/Figures/Fig2.pptx
@@ -2,7 +2,7 @@
 <file path=ppt/presentation.xml><?xml version="1.0" encoding="utf-8"?>
 <p:presentation xmlns:a="http://schemas.openxmlformats.org/drawingml/2006/main" xmlns:r="http://schemas.openxmlformats.org/officeDocument/2006/relationships" xmlns:p="http://schemas.openxmlformats.org/presentationml/2006/main" saveSubsetFonts="1">
   <p:sldMasterIdLst>
-    <p:sldMasterId id="2147483672" r:id="rId1"/>
+    <p:sldMasterId id="2147483684" r:id="rId1"/>
   </p:sldMasterIdLst>
   <p:notesMasterIdLst>
     <p:notesMasterId r:id="rId3"/>
@@ -10,7 +10,7 @@
   <p:sldIdLst>
     <p:sldId id="268" r:id="rId2"/>
   </p:sldIdLst>
-  <p:sldSz cx="3419475" cy="5508625"/>
+  <p:sldSz cx="3419475" cy="7164388"/>
   <p:notesSz cx="6742113" cy="9872663"/>
   <p:defaultTextStyle>
     <a:defPPr>
@@ -118,7 +118,7 @@
 <file path=ppt/revisionInfo.xml><?xml version="1.0" encoding="utf-8"?>
 <p1510:revInfo xmlns:a="http://schemas.openxmlformats.org/drawingml/2006/main" xmlns:r="http://schemas.openxmlformats.org/officeDocument/2006/relationships" xmlns:p1510="http://schemas.microsoft.com/office/powerpoint/2015/10/main">
   <p1510:revLst>
-    <p1510:client id="{F23CEC35-725B-4523-8EFB-89DF33E7B721}" v="124" dt="2020-07-08T13:50:51.182"/>
+    <p1510:client id="{59D55646-B2C3-4717-A7EF-46DDE28E0D93}" v="13" dt="2020-11-25T22:56:41.389"/>
   </p1510:revLst>
 </p1510:revInfo>
 </file>
@@ -1994,6 +1994,582 @@
             <pc:docMk/>
             <pc:sldMk cId="194351477" sldId="271"/>
             <ac:cxnSpMk id="72" creationId="{F0D373F1-BAF1-45C4-9A34-88141CF5BDDA}"/>
+          </ac:cxnSpMkLst>
+        </pc:cxnChg>
+      </pc:sldChg>
+    </pc:docChg>
+  </pc:docChgLst>
+  <pc:docChgLst>
+    <pc:chgData name="Fatima Pillosu" userId="a6295d4dc9e22643" providerId="LiveId" clId="{59D55646-B2C3-4717-A7EF-46DDE28E0D93}"/>
+    <pc:docChg chg="undo custSel modSld">
+      <pc:chgData name="Fatima Pillosu" userId="a6295d4dc9e22643" providerId="LiveId" clId="{59D55646-B2C3-4717-A7EF-46DDE28E0D93}" dt="2020-11-25T22:57:59.693" v="110" actId="1036"/>
+      <pc:docMkLst>
+        <pc:docMk/>
+      </pc:docMkLst>
+      <pc:sldChg chg="addSp delSp modSp">
+        <pc:chgData name="Fatima Pillosu" userId="a6295d4dc9e22643" providerId="LiveId" clId="{59D55646-B2C3-4717-A7EF-46DDE28E0D93}" dt="2020-11-25T22:57:59.693" v="110" actId="1036"/>
+        <pc:sldMkLst>
+          <pc:docMk/>
+          <pc:sldMk cId="502415676" sldId="268"/>
+        </pc:sldMkLst>
+        <pc:spChg chg="del mod">
+          <ac:chgData name="Fatima Pillosu" userId="a6295d4dc9e22643" providerId="LiveId" clId="{59D55646-B2C3-4717-A7EF-46DDE28E0D93}" dt="2020-11-25T22:56:15.538" v="88"/>
+          <ac:spMkLst>
+            <pc:docMk/>
+            <pc:sldMk cId="502415676" sldId="268"/>
+            <ac:spMk id="2" creationId="{C6F2FCA6-97EF-467B-91D9-F7A462A15BA8}"/>
+          </ac:spMkLst>
+        </pc:spChg>
+        <pc:spChg chg="del mod">
+          <ac:chgData name="Fatima Pillosu" userId="a6295d4dc9e22643" providerId="LiveId" clId="{59D55646-B2C3-4717-A7EF-46DDE28E0D93}" dt="2020-11-25T22:56:15.538" v="88"/>
+          <ac:spMkLst>
+            <pc:docMk/>
+            <pc:sldMk cId="502415676" sldId="268"/>
+            <ac:spMk id="39" creationId="{19EF1DA6-3627-4C7B-AB82-A37D058D5B99}"/>
+          </ac:spMkLst>
+        </pc:spChg>
+        <pc:spChg chg="del mod">
+          <ac:chgData name="Fatima Pillosu" userId="a6295d4dc9e22643" providerId="LiveId" clId="{59D55646-B2C3-4717-A7EF-46DDE28E0D93}" dt="2020-11-25T22:56:15.538" v="88"/>
+          <ac:spMkLst>
+            <pc:docMk/>
+            <pc:sldMk cId="502415676" sldId="268"/>
+            <ac:spMk id="40" creationId="{7A37FBF0-8A80-4265-8461-00E6CC3F911A}"/>
+          </ac:spMkLst>
+        </pc:spChg>
+        <pc:spChg chg="del">
+          <ac:chgData name="Fatima Pillosu" userId="a6295d4dc9e22643" providerId="LiveId" clId="{59D55646-B2C3-4717-A7EF-46DDE28E0D93}" dt="2020-11-25T22:56:15.538" v="88"/>
+          <ac:spMkLst>
+            <pc:docMk/>
+            <pc:sldMk cId="502415676" sldId="268"/>
+            <ac:spMk id="41" creationId="{EAE5B556-A49E-48B3-9D5A-122A8BBFA97C}"/>
+          </ac:spMkLst>
+        </pc:spChg>
+        <pc:spChg chg="del mod">
+          <ac:chgData name="Fatima Pillosu" userId="a6295d4dc9e22643" providerId="LiveId" clId="{59D55646-B2C3-4717-A7EF-46DDE28E0D93}" dt="2020-11-25T22:56:15.538" v="88"/>
+          <ac:spMkLst>
+            <pc:docMk/>
+            <pc:sldMk cId="502415676" sldId="268"/>
+            <ac:spMk id="43" creationId="{70BD85FD-C225-437E-B4C4-0F9AA04193F7}"/>
+          </ac:spMkLst>
+        </pc:spChg>
+        <pc:spChg chg="del mod">
+          <ac:chgData name="Fatima Pillosu" userId="a6295d4dc9e22643" providerId="LiveId" clId="{59D55646-B2C3-4717-A7EF-46DDE28E0D93}" dt="2020-11-25T22:56:15.538" v="88"/>
+          <ac:spMkLst>
+            <pc:docMk/>
+            <pc:sldMk cId="502415676" sldId="268"/>
+            <ac:spMk id="45" creationId="{963BB774-3A8E-4600-944F-F5E24055ECE1}"/>
+          </ac:spMkLst>
+        </pc:spChg>
+        <pc:spChg chg="del">
+          <ac:chgData name="Fatima Pillosu" userId="a6295d4dc9e22643" providerId="LiveId" clId="{59D55646-B2C3-4717-A7EF-46DDE28E0D93}" dt="2020-11-25T22:56:15.538" v="88"/>
+          <ac:spMkLst>
+            <pc:docMk/>
+            <pc:sldMk cId="502415676" sldId="268"/>
+            <ac:spMk id="48" creationId="{3283872D-A1EB-45F0-98C7-56895CE8F895}"/>
+          </ac:spMkLst>
+        </pc:spChg>
+        <pc:spChg chg="del">
+          <ac:chgData name="Fatima Pillosu" userId="a6295d4dc9e22643" providerId="LiveId" clId="{59D55646-B2C3-4717-A7EF-46DDE28E0D93}" dt="2020-11-25T22:56:15.538" v="88"/>
+          <ac:spMkLst>
+            <pc:docMk/>
+            <pc:sldMk cId="502415676" sldId="268"/>
+            <ac:spMk id="49" creationId="{59AF1A3A-3741-4A55-A143-3C2D3D864A3D}"/>
+          </ac:spMkLst>
+        </pc:spChg>
+        <pc:spChg chg="del">
+          <ac:chgData name="Fatima Pillosu" userId="a6295d4dc9e22643" providerId="LiveId" clId="{59D55646-B2C3-4717-A7EF-46DDE28E0D93}" dt="2020-11-25T22:56:15.538" v="88"/>
+          <ac:spMkLst>
+            <pc:docMk/>
+            <pc:sldMk cId="502415676" sldId="268"/>
+            <ac:spMk id="50" creationId="{932F6E7F-0087-4E7F-8FD5-3B0E7291BF55}"/>
+          </ac:spMkLst>
+        </pc:spChg>
+        <pc:spChg chg="del">
+          <ac:chgData name="Fatima Pillosu" userId="a6295d4dc9e22643" providerId="LiveId" clId="{59D55646-B2C3-4717-A7EF-46DDE28E0D93}" dt="2020-11-25T22:56:15.538" v="88"/>
+          <ac:spMkLst>
+            <pc:docMk/>
+            <pc:sldMk cId="502415676" sldId="268"/>
+            <ac:spMk id="51" creationId="{8FD8B4AE-310A-4E9D-BF59-3C66B88927F2}"/>
+          </ac:spMkLst>
+        </pc:spChg>
+        <pc:spChg chg="del">
+          <ac:chgData name="Fatima Pillosu" userId="a6295d4dc9e22643" providerId="LiveId" clId="{59D55646-B2C3-4717-A7EF-46DDE28E0D93}" dt="2020-11-25T22:56:15.538" v="88"/>
+          <ac:spMkLst>
+            <pc:docMk/>
+            <pc:sldMk cId="502415676" sldId="268"/>
+            <ac:spMk id="52" creationId="{E4EB93F9-BE8E-46C4-AAA1-3D0CE831E423}"/>
+          </ac:spMkLst>
+        </pc:spChg>
+        <pc:spChg chg="del">
+          <ac:chgData name="Fatima Pillosu" userId="a6295d4dc9e22643" providerId="LiveId" clId="{59D55646-B2C3-4717-A7EF-46DDE28E0D93}" dt="2020-11-25T22:56:15.538" v="88"/>
+          <ac:spMkLst>
+            <pc:docMk/>
+            <pc:sldMk cId="502415676" sldId="268"/>
+            <ac:spMk id="53" creationId="{669B7DF9-B3AF-4EAA-B2B1-A1483D04547C}"/>
+          </ac:spMkLst>
+        </pc:spChg>
+        <pc:spChg chg="del">
+          <ac:chgData name="Fatima Pillosu" userId="a6295d4dc9e22643" providerId="LiveId" clId="{59D55646-B2C3-4717-A7EF-46DDE28E0D93}" dt="2020-11-25T22:56:15.538" v="88"/>
+          <ac:spMkLst>
+            <pc:docMk/>
+            <pc:sldMk cId="502415676" sldId="268"/>
+            <ac:spMk id="54" creationId="{F1B465C5-37DF-4AF6-AC98-FD6149C7F283}"/>
+          </ac:spMkLst>
+        </pc:spChg>
+        <pc:spChg chg="del">
+          <ac:chgData name="Fatima Pillosu" userId="a6295d4dc9e22643" providerId="LiveId" clId="{59D55646-B2C3-4717-A7EF-46DDE28E0D93}" dt="2020-11-25T22:56:15.538" v="88"/>
+          <ac:spMkLst>
+            <pc:docMk/>
+            <pc:sldMk cId="502415676" sldId="268"/>
+            <ac:spMk id="55" creationId="{AE9807B1-0B06-4B12-9AEE-EBC68A762DB8}"/>
+          </ac:spMkLst>
+        </pc:spChg>
+        <pc:spChg chg="del">
+          <ac:chgData name="Fatima Pillosu" userId="a6295d4dc9e22643" providerId="LiveId" clId="{59D55646-B2C3-4717-A7EF-46DDE28E0D93}" dt="2020-11-25T22:56:15.538" v="88"/>
+          <ac:spMkLst>
+            <pc:docMk/>
+            <pc:sldMk cId="502415676" sldId="268"/>
+            <ac:spMk id="56" creationId="{049ADF95-5ED9-463B-BD74-D3C78E6E83EF}"/>
+          </ac:spMkLst>
+        </pc:spChg>
+        <pc:spChg chg="del">
+          <ac:chgData name="Fatima Pillosu" userId="a6295d4dc9e22643" providerId="LiveId" clId="{59D55646-B2C3-4717-A7EF-46DDE28E0D93}" dt="2020-11-25T22:56:15.538" v="88"/>
+          <ac:spMkLst>
+            <pc:docMk/>
+            <pc:sldMk cId="502415676" sldId="268"/>
+            <ac:spMk id="57" creationId="{4CA17F19-F517-4E9C-BACF-BBD83F6A501F}"/>
+          </ac:spMkLst>
+        </pc:spChg>
+        <pc:spChg chg="del">
+          <ac:chgData name="Fatima Pillosu" userId="a6295d4dc9e22643" providerId="LiveId" clId="{59D55646-B2C3-4717-A7EF-46DDE28E0D93}" dt="2020-11-25T22:52:16.506" v="71" actId="478"/>
+          <ac:spMkLst>
+            <pc:docMk/>
+            <pc:sldMk cId="502415676" sldId="268"/>
+            <ac:spMk id="58" creationId="{80920BAE-25F2-46F1-8416-EE67BAB50269}"/>
+          </ac:spMkLst>
+        </pc:spChg>
+        <pc:spChg chg="del mod">
+          <ac:chgData name="Fatima Pillosu" userId="a6295d4dc9e22643" providerId="LiveId" clId="{59D55646-B2C3-4717-A7EF-46DDE28E0D93}" dt="2020-11-25T22:56:15.538" v="88"/>
+          <ac:spMkLst>
+            <pc:docMk/>
+            <pc:sldMk cId="502415676" sldId="268"/>
+            <ac:spMk id="59" creationId="{C9D96B0A-0E32-414A-829D-031BA3EC2685}"/>
+          </ac:spMkLst>
+        </pc:spChg>
+        <pc:spChg chg="del">
+          <ac:chgData name="Fatima Pillosu" userId="a6295d4dc9e22643" providerId="LiveId" clId="{59D55646-B2C3-4717-A7EF-46DDE28E0D93}" dt="2020-11-25T22:47:42.228" v="27" actId="478"/>
+          <ac:spMkLst>
+            <pc:docMk/>
+            <pc:sldMk cId="502415676" sldId="268"/>
+            <ac:spMk id="60" creationId="{82C8B59C-9682-492E-86DB-EB9F97C86863}"/>
+          </ac:spMkLst>
+        </pc:spChg>
+        <pc:spChg chg="del">
+          <ac:chgData name="Fatima Pillosu" userId="a6295d4dc9e22643" providerId="LiveId" clId="{59D55646-B2C3-4717-A7EF-46DDE28E0D93}" dt="2020-11-25T22:47:40.423" v="25" actId="478"/>
+          <ac:spMkLst>
+            <pc:docMk/>
+            <pc:sldMk cId="502415676" sldId="268"/>
+            <ac:spMk id="61" creationId="{2CC606BD-DA2D-4849-8B39-38EE6DDEF022}"/>
+          </ac:spMkLst>
+        </pc:spChg>
+        <pc:spChg chg="del">
+          <ac:chgData name="Fatima Pillosu" userId="a6295d4dc9e22643" providerId="LiveId" clId="{59D55646-B2C3-4717-A7EF-46DDE28E0D93}" dt="2020-11-25T22:47:41.464" v="26" actId="478"/>
+          <ac:spMkLst>
+            <pc:docMk/>
+            <pc:sldMk cId="502415676" sldId="268"/>
+            <ac:spMk id="62" creationId="{D617F410-DCEE-483A-840D-5B6A2CDD2722}"/>
+          </ac:spMkLst>
+        </pc:spChg>
+        <pc:spChg chg="del mod ord">
+          <ac:chgData name="Fatima Pillosu" userId="a6295d4dc9e22643" providerId="LiveId" clId="{59D55646-B2C3-4717-A7EF-46DDE28E0D93}" dt="2020-11-25T22:56:15.538" v="88"/>
+          <ac:spMkLst>
+            <pc:docMk/>
+            <pc:sldMk cId="502415676" sldId="268"/>
+            <ac:spMk id="63" creationId="{BC436244-9535-4271-B18C-842F65612F52}"/>
+          </ac:spMkLst>
+        </pc:spChg>
+        <pc:spChg chg="del mod">
+          <ac:chgData name="Fatima Pillosu" userId="a6295d4dc9e22643" providerId="LiveId" clId="{59D55646-B2C3-4717-A7EF-46DDE28E0D93}" dt="2020-11-25T22:56:15.538" v="88"/>
+          <ac:spMkLst>
+            <pc:docMk/>
+            <pc:sldMk cId="502415676" sldId="268"/>
+            <ac:spMk id="64" creationId="{F82601EC-BD9B-45BC-98EA-ABF7AE24D183}"/>
+          </ac:spMkLst>
+        </pc:spChg>
+        <pc:spChg chg="del mod ord">
+          <ac:chgData name="Fatima Pillosu" userId="a6295d4dc9e22643" providerId="LiveId" clId="{59D55646-B2C3-4717-A7EF-46DDE28E0D93}" dt="2020-11-25T22:56:15.538" v="88"/>
+          <ac:spMkLst>
+            <pc:docMk/>
+            <pc:sldMk cId="502415676" sldId="268"/>
+            <ac:spMk id="65" creationId="{088995A7-B630-4345-87A8-1041C1663DEC}"/>
+          </ac:spMkLst>
+        </pc:spChg>
+        <pc:spChg chg="del mod">
+          <ac:chgData name="Fatima Pillosu" userId="a6295d4dc9e22643" providerId="LiveId" clId="{59D55646-B2C3-4717-A7EF-46DDE28E0D93}" dt="2020-11-25T22:56:15.538" v="88"/>
+          <ac:spMkLst>
+            <pc:docMk/>
+            <pc:sldMk cId="502415676" sldId="268"/>
+            <ac:spMk id="66" creationId="{F0E9FBDF-A36C-4714-8E4E-0D704FCC6D91}"/>
+          </ac:spMkLst>
+        </pc:spChg>
+        <pc:spChg chg="del">
+          <ac:chgData name="Fatima Pillosu" userId="a6295d4dc9e22643" providerId="LiveId" clId="{59D55646-B2C3-4717-A7EF-46DDE28E0D93}" dt="2020-11-25T22:56:15.538" v="88"/>
+          <ac:spMkLst>
+            <pc:docMk/>
+            <pc:sldMk cId="502415676" sldId="268"/>
+            <ac:spMk id="67" creationId="{6177EF15-D158-44AC-A3EF-083DC7AFB96D}"/>
+          </ac:spMkLst>
+        </pc:spChg>
+        <pc:spChg chg="del">
+          <ac:chgData name="Fatima Pillosu" userId="a6295d4dc9e22643" providerId="LiveId" clId="{59D55646-B2C3-4717-A7EF-46DDE28E0D93}" dt="2020-11-25T22:56:15.538" v="88"/>
+          <ac:spMkLst>
+            <pc:docMk/>
+            <pc:sldMk cId="502415676" sldId="268"/>
+            <ac:spMk id="68" creationId="{C79D102E-9EB2-42A7-BE5E-3DE2255640AF}"/>
+          </ac:spMkLst>
+        </pc:spChg>
+        <pc:spChg chg="del">
+          <ac:chgData name="Fatima Pillosu" userId="a6295d4dc9e22643" providerId="LiveId" clId="{59D55646-B2C3-4717-A7EF-46DDE28E0D93}" dt="2020-11-25T22:56:15.538" v="88"/>
+          <ac:spMkLst>
+            <pc:docMk/>
+            <pc:sldMk cId="502415676" sldId="268"/>
+            <ac:spMk id="69" creationId="{AA3CBB8D-A95D-406E-8C00-15238610F5D1}"/>
+          </ac:spMkLst>
+        </pc:spChg>
+        <pc:spChg chg="add del mod">
+          <ac:chgData name="Fatima Pillosu" userId="a6295d4dc9e22643" providerId="LiveId" clId="{59D55646-B2C3-4717-A7EF-46DDE28E0D93}" dt="2020-11-25T22:56:15.538" v="88"/>
+          <ac:spMkLst>
+            <pc:docMk/>
+            <pc:sldMk cId="502415676" sldId="268"/>
+            <ac:spMk id="71" creationId="{F182B959-4497-4854-93EA-C3A022BCE9E0}"/>
+          </ac:spMkLst>
+        </pc:spChg>
+        <pc:spChg chg="add mod">
+          <ac:chgData name="Fatima Pillosu" userId="a6295d4dc9e22643" providerId="LiveId" clId="{59D55646-B2C3-4717-A7EF-46DDE28E0D93}" dt="2020-11-25T22:56:52.225" v="90" actId="1076"/>
+          <ac:spMkLst>
+            <pc:docMk/>
+            <pc:sldMk cId="502415676" sldId="268"/>
+            <ac:spMk id="72" creationId="{C3B2311E-C1C9-499E-B6CE-6FF6C67FF0A6}"/>
+          </ac:spMkLst>
+        </pc:spChg>
+        <pc:spChg chg="add mod">
+          <ac:chgData name="Fatima Pillosu" userId="a6295d4dc9e22643" providerId="LiveId" clId="{59D55646-B2C3-4717-A7EF-46DDE28E0D93}" dt="2020-11-25T22:56:52.225" v="90" actId="1076"/>
+          <ac:spMkLst>
+            <pc:docMk/>
+            <pc:sldMk cId="502415676" sldId="268"/>
+            <ac:spMk id="74" creationId="{EAB85EEA-D0F7-4A28-99C3-3DCCB43D291E}"/>
+          </ac:spMkLst>
+        </pc:spChg>
+        <pc:spChg chg="add mod">
+          <ac:chgData name="Fatima Pillosu" userId="a6295d4dc9e22643" providerId="LiveId" clId="{59D55646-B2C3-4717-A7EF-46DDE28E0D93}" dt="2020-11-25T22:56:52.225" v="90" actId="1076"/>
+          <ac:spMkLst>
+            <pc:docMk/>
+            <pc:sldMk cId="502415676" sldId="268"/>
+            <ac:spMk id="75" creationId="{62F0378C-8AD4-40B3-9A5F-CAA382F2AE3A}"/>
+          </ac:spMkLst>
+        </pc:spChg>
+        <pc:spChg chg="add mod">
+          <ac:chgData name="Fatima Pillosu" userId="a6295d4dc9e22643" providerId="LiveId" clId="{59D55646-B2C3-4717-A7EF-46DDE28E0D93}" dt="2020-11-25T22:56:52.225" v="90" actId="1076"/>
+          <ac:spMkLst>
+            <pc:docMk/>
+            <pc:sldMk cId="502415676" sldId="268"/>
+            <ac:spMk id="76" creationId="{70BF1A74-ABBC-4354-BF6D-2170519AABA1}"/>
+          </ac:spMkLst>
+        </pc:spChg>
+        <pc:spChg chg="add mod">
+          <ac:chgData name="Fatima Pillosu" userId="a6295d4dc9e22643" providerId="LiveId" clId="{59D55646-B2C3-4717-A7EF-46DDE28E0D93}" dt="2020-11-25T22:57:59.693" v="110" actId="1036"/>
+          <ac:spMkLst>
+            <pc:docMk/>
+            <pc:sldMk cId="502415676" sldId="268"/>
+            <ac:spMk id="78" creationId="{D635FEE2-D3F1-49FA-9FD7-DEB27FBAB0B8}"/>
+          </ac:spMkLst>
+        </pc:spChg>
+        <pc:spChg chg="add mod">
+          <ac:chgData name="Fatima Pillosu" userId="a6295d4dc9e22643" providerId="LiveId" clId="{59D55646-B2C3-4717-A7EF-46DDE28E0D93}" dt="2020-11-25T22:56:52.225" v="90" actId="1076"/>
+          <ac:spMkLst>
+            <pc:docMk/>
+            <pc:sldMk cId="502415676" sldId="268"/>
+            <ac:spMk id="80" creationId="{0E34FCBC-5085-4B7C-AE5F-5C72B94002CA}"/>
+          </ac:spMkLst>
+        </pc:spChg>
+        <pc:spChg chg="add mod">
+          <ac:chgData name="Fatima Pillosu" userId="a6295d4dc9e22643" providerId="LiveId" clId="{59D55646-B2C3-4717-A7EF-46DDE28E0D93}" dt="2020-11-25T22:57:59.693" v="110" actId="1036"/>
+          <ac:spMkLst>
+            <pc:docMk/>
+            <pc:sldMk cId="502415676" sldId="268"/>
+            <ac:spMk id="81" creationId="{F255C6C0-34F9-4C26-9A58-4E87B4753BA5}"/>
+          </ac:spMkLst>
+        </pc:spChg>
+        <pc:spChg chg="add mod">
+          <ac:chgData name="Fatima Pillosu" userId="a6295d4dc9e22643" providerId="LiveId" clId="{59D55646-B2C3-4717-A7EF-46DDE28E0D93}" dt="2020-11-25T22:57:31.027" v="92" actId="1076"/>
+          <ac:spMkLst>
+            <pc:docMk/>
+            <pc:sldMk cId="502415676" sldId="268"/>
+            <ac:spMk id="82" creationId="{A97A3AF6-CC41-4ED1-97F7-C29CBFFA7CA5}"/>
+          </ac:spMkLst>
+        </pc:spChg>
+        <pc:spChg chg="add mod">
+          <ac:chgData name="Fatima Pillosu" userId="a6295d4dc9e22643" providerId="LiveId" clId="{59D55646-B2C3-4717-A7EF-46DDE28E0D93}" dt="2020-11-25T22:57:59.693" v="110" actId="1036"/>
+          <ac:spMkLst>
+            <pc:docMk/>
+            <pc:sldMk cId="502415676" sldId="268"/>
+            <ac:spMk id="83" creationId="{D73647E4-5A4F-4AB4-9FB2-22BBAE45089C}"/>
+          </ac:spMkLst>
+        </pc:spChg>
+        <pc:spChg chg="add mod">
+          <ac:chgData name="Fatima Pillosu" userId="a6295d4dc9e22643" providerId="LiveId" clId="{59D55646-B2C3-4717-A7EF-46DDE28E0D93}" dt="2020-11-25T22:57:59.693" v="110" actId="1036"/>
+          <ac:spMkLst>
+            <pc:docMk/>
+            <pc:sldMk cId="502415676" sldId="268"/>
+            <ac:spMk id="84" creationId="{6CFAF374-0A7C-4EBD-BA26-4E84746F292B}"/>
+          </ac:spMkLst>
+        </pc:spChg>
+        <pc:spChg chg="add mod">
+          <ac:chgData name="Fatima Pillosu" userId="a6295d4dc9e22643" providerId="LiveId" clId="{59D55646-B2C3-4717-A7EF-46DDE28E0D93}" dt="2020-11-25T22:57:59.693" v="110" actId="1036"/>
+          <ac:spMkLst>
+            <pc:docMk/>
+            <pc:sldMk cId="502415676" sldId="268"/>
+            <ac:spMk id="85" creationId="{16BD33FD-D682-4F05-9869-860794133DD8}"/>
+          </ac:spMkLst>
+        </pc:spChg>
+        <pc:spChg chg="add mod">
+          <ac:chgData name="Fatima Pillosu" userId="a6295d4dc9e22643" providerId="LiveId" clId="{59D55646-B2C3-4717-A7EF-46DDE28E0D93}" dt="2020-11-25T22:57:31.027" v="92" actId="1076"/>
+          <ac:spMkLst>
+            <pc:docMk/>
+            <pc:sldMk cId="502415676" sldId="268"/>
+            <ac:spMk id="86" creationId="{4557D1D9-89DC-471E-80DD-5C09DD4AFE4E}"/>
+          </ac:spMkLst>
+        </pc:spChg>
+        <pc:spChg chg="add mod">
+          <ac:chgData name="Fatima Pillosu" userId="a6295d4dc9e22643" providerId="LiveId" clId="{59D55646-B2C3-4717-A7EF-46DDE28E0D93}" dt="2020-11-25T22:57:59.693" v="110" actId="1036"/>
+          <ac:spMkLst>
+            <pc:docMk/>
+            <pc:sldMk cId="502415676" sldId="268"/>
+            <ac:spMk id="87" creationId="{9A5F2B17-950C-4AD5-9171-1692EF8863D2}"/>
+          </ac:spMkLst>
+        </pc:spChg>
+        <pc:spChg chg="add mod">
+          <ac:chgData name="Fatima Pillosu" userId="a6295d4dc9e22643" providerId="LiveId" clId="{59D55646-B2C3-4717-A7EF-46DDE28E0D93}" dt="2020-11-25T22:57:59.693" v="110" actId="1036"/>
+          <ac:spMkLst>
+            <pc:docMk/>
+            <pc:sldMk cId="502415676" sldId="268"/>
+            <ac:spMk id="88" creationId="{1B1AE096-6104-4C60-B095-B7E8BE057082}"/>
+          </ac:spMkLst>
+        </pc:spChg>
+        <pc:spChg chg="add mod">
+          <ac:chgData name="Fatima Pillosu" userId="a6295d4dc9e22643" providerId="LiveId" clId="{59D55646-B2C3-4717-A7EF-46DDE28E0D93}" dt="2020-11-25T22:56:52.225" v="90" actId="1076"/>
+          <ac:spMkLst>
+            <pc:docMk/>
+            <pc:sldMk cId="502415676" sldId="268"/>
+            <ac:spMk id="89" creationId="{73A111E9-D475-4ADC-9755-986276F68B2B}"/>
+          </ac:spMkLst>
+        </pc:spChg>
+        <pc:spChg chg="add mod">
+          <ac:chgData name="Fatima Pillosu" userId="a6295d4dc9e22643" providerId="LiveId" clId="{59D55646-B2C3-4717-A7EF-46DDE28E0D93}" dt="2020-11-25T22:56:52.225" v="90" actId="1076"/>
+          <ac:spMkLst>
+            <pc:docMk/>
+            <pc:sldMk cId="502415676" sldId="268"/>
+            <ac:spMk id="90" creationId="{591054FD-1806-45F4-BF78-FACE5D277788}"/>
+          </ac:spMkLst>
+        </pc:spChg>
+        <pc:spChg chg="add mod">
+          <ac:chgData name="Fatima Pillosu" userId="a6295d4dc9e22643" providerId="LiveId" clId="{59D55646-B2C3-4717-A7EF-46DDE28E0D93}" dt="2020-11-25T22:57:59.693" v="110" actId="1036"/>
+          <ac:spMkLst>
+            <pc:docMk/>
+            <pc:sldMk cId="502415676" sldId="268"/>
+            <ac:spMk id="91" creationId="{06347008-D2E1-4153-BBE0-48FED8C5D5B1}"/>
+          </ac:spMkLst>
+        </pc:spChg>
+        <pc:spChg chg="add mod">
+          <ac:chgData name="Fatima Pillosu" userId="a6295d4dc9e22643" providerId="LiveId" clId="{59D55646-B2C3-4717-A7EF-46DDE28E0D93}" dt="2020-11-25T22:56:52.225" v="90" actId="1076"/>
+          <ac:spMkLst>
+            <pc:docMk/>
+            <pc:sldMk cId="502415676" sldId="268"/>
+            <ac:spMk id="92" creationId="{700F898D-4C11-4926-BB28-B8DA6ED3E63A}"/>
+          </ac:spMkLst>
+        </pc:spChg>
+        <pc:spChg chg="add mod">
+          <ac:chgData name="Fatima Pillosu" userId="a6295d4dc9e22643" providerId="LiveId" clId="{59D55646-B2C3-4717-A7EF-46DDE28E0D93}" dt="2020-11-25T22:56:52.225" v="90" actId="1076"/>
+          <ac:spMkLst>
+            <pc:docMk/>
+            <pc:sldMk cId="502415676" sldId="268"/>
+            <ac:spMk id="93" creationId="{17DF728F-573A-4EBB-97A6-50BA25CCE4CC}"/>
+          </ac:spMkLst>
+        </pc:spChg>
+        <pc:spChg chg="add mod">
+          <ac:chgData name="Fatima Pillosu" userId="a6295d4dc9e22643" providerId="LiveId" clId="{59D55646-B2C3-4717-A7EF-46DDE28E0D93}" dt="2020-11-25T22:56:52.225" v="90" actId="1076"/>
+          <ac:spMkLst>
+            <pc:docMk/>
+            <pc:sldMk cId="502415676" sldId="268"/>
+            <ac:spMk id="95" creationId="{545D8F0C-C086-4D53-A826-7FD8BA7F6641}"/>
+          </ac:spMkLst>
+        </pc:spChg>
+        <pc:spChg chg="add mod">
+          <ac:chgData name="Fatima Pillosu" userId="a6295d4dc9e22643" providerId="LiveId" clId="{59D55646-B2C3-4717-A7EF-46DDE28E0D93}" dt="2020-11-25T22:56:52.225" v="90" actId="1076"/>
+          <ac:spMkLst>
+            <pc:docMk/>
+            <pc:sldMk cId="502415676" sldId="268"/>
+            <ac:spMk id="96" creationId="{9A71FD03-9A5A-4F3F-BEFE-A84C89E20DD5}"/>
+          </ac:spMkLst>
+        </pc:spChg>
+        <pc:spChg chg="add mod">
+          <ac:chgData name="Fatima Pillosu" userId="a6295d4dc9e22643" providerId="LiveId" clId="{59D55646-B2C3-4717-A7EF-46DDE28E0D93}" dt="2020-11-25T22:56:52.225" v="90" actId="1076"/>
+          <ac:spMkLst>
+            <pc:docMk/>
+            <pc:sldMk cId="502415676" sldId="268"/>
+            <ac:spMk id="97" creationId="{5BF92373-E0B1-44B5-BF07-BAE59005472F}"/>
+          </ac:spMkLst>
+        </pc:spChg>
+        <pc:spChg chg="add mod">
+          <ac:chgData name="Fatima Pillosu" userId="a6295d4dc9e22643" providerId="LiveId" clId="{59D55646-B2C3-4717-A7EF-46DDE28E0D93}" dt="2020-11-25T22:56:52.225" v="90" actId="1076"/>
+          <ac:spMkLst>
+            <pc:docMk/>
+            <pc:sldMk cId="502415676" sldId="268"/>
+            <ac:spMk id="98" creationId="{01D1D566-ED6E-4417-8AE0-87D9950D0EDE}"/>
+          </ac:spMkLst>
+        </pc:spChg>
+        <pc:spChg chg="add mod">
+          <ac:chgData name="Fatima Pillosu" userId="a6295d4dc9e22643" providerId="LiveId" clId="{59D55646-B2C3-4717-A7EF-46DDE28E0D93}" dt="2020-11-25T22:56:52.225" v="90" actId="1076"/>
+          <ac:spMkLst>
+            <pc:docMk/>
+            <pc:sldMk cId="502415676" sldId="268"/>
+            <ac:spMk id="99" creationId="{8A9D2E5A-15E6-4E36-95B5-FCA5D8DB1701}"/>
+          </ac:spMkLst>
+        </pc:spChg>
+        <pc:spChg chg="add mod">
+          <ac:chgData name="Fatima Pillosu" userId="a6295d4dc9e22643" providerId="LiveId" clId="{59D55646-B2C3-4717-A7EF-46DDE28E0D93}" dt="2020-11-25T22:56:52.225" v="90" actId="1076"/>
+          <ac:spMkLst>
+            <pc:docMk/>
+            <pc:sldMk cId="502415676" sldId="268"/>
+            <ac:spMk id="102" creationId="{F79F08A1-386F-4DB8-8444-EF4ECD141279}"/>
+          </ac:spMkLst>
+        </pc:spChg>
+        <pc:grpChg chg="add mod">
+          <ac:chgData name="Fatima Pillosu" userId="a6295d4dc9e22643" providerId="LiveId" clId="{59D55646-B2C3-4717-A7EF-46DDE28E0D93}" dt="2020-11-25T22:48:10.352" v="33" actId="164"/>
+          <ac:grpSpMkLst>
+            <pc:docMk/>
+            <pc:sldMk cId="502415676" sldId="268"/>
+            <ac:grpSpMk id="7" creationId="{66B417A6-CE51-4A13-AC2B-0C24F2CDC89D}"/>
+          </ac:grpSpMkLst>
+        </pc:grpChg>
+        <pc:picChg chg="del mod">
+          <ac:chgData name="Fatima Pillosu" userId="a6295d4dc9e22643" providerId="LiveId" clId="{59D55646-B2C3-4717-A7EF-46DDE28E0D93}" dt="2020-11-25T22:56:15.538" v="88"/>
+          <ac:picMkLst>
+            <pc:docMk/>
+            <pc:sldMk cId="502415676" sldId="268"/>
+            <ac:picMk id="34" creationId="{FB29CE2D-FDF9-495B-A2C1-00ECF32EBAB3}"/>
+          </ac:picMkLst>
+        </pc:picChg>
+        <pc:picChg chg="del">
+          <ac:chgData name="Fatima Pillosu" userId="a6295d4dc9e22643" providerId="LiveId" clId="{59D55646-B2C3-4717-A7EF-46DDE28E0D93}" dt="2020-11-25T22:56:15.538" v="88"/>
+          <ac:picMkLst>
+            <pc:docMk/>
+            <pc:sldMk cId="502415676" sldId="268"/>
+            <ac:picMk id="38" creationId="{C80CDE89-758D-498E-8DF4-2A6FE80B1729}"/>
+          </ac:picMkLst>
+        </pc:picChg>
+        <pc:picChg chg="del">
+          <ac:chgData name="Fatima Pillosu" userId="a6295d4dc9e22643" providerId="LiveId" clId="{59D55646-B2C3-4717-A7EF-46DDE28E0D93}" dt="2020-11-25T22:56:15.538" v="88"/>
+          <ac:picMkLst>
+            <pc:docMk/>
+            <pc:sldMk cId="502415676" sldId="268"/>
+            <ac:picMk id="42" creationId="{0A101254-76FB-43AC-83F7-38AC770B1D78}"/>
+          </ac:picMkLst>
+        </pc:picChg>
+        <pc:picChg chg="del mod">
+          <ac:chgData name="Fatima Pillosu" userId="a6295d4dc9e22643" providerId="LiveId" clId="{59D55646-B2C3-4717-A7EF-46DDE28E0D93}" dt="2020-11-25T22:56:15.538" v="88"/>
+          <ac:picMkLst>
+            <pc:docMk/>
+            <pc:sldMk cId="502415676" sldId="268"/>
+            <ac:picMk id="44" creationId="{0BC116C9-BE03-4F5F-BFD2-22D45DD17980}"/>
+          </ac:picMkLst>
+        </pc:picChg>
+        <pc:picChg chg="del">
+          <ac:chgData name="Fatima Pillosu" userId="a6295d4dc9e22643" providerId="LiveId" clId="{59D55646-B2C3-4717-A7EF-46DDE28E0D93}" dt="2020-11-25T22:47:39.303" v="24" actId="478"/>
+          <ac:picMkLst>
+            <pc:docMk/>
+            <pc:sldMk cId="502415676" sldId="268"/>
+            <ac:picMk id="46" creationId="{18B40F32-2D1F-4FA0-AC23-4CF4C74BF392}"/>
+          </ac:picMkLst>
+        </pc:picChg>
+        <pc:picChg chg="del">
+          <ac:chgData name="Fatima Pillosu" userId="a6295d4dc9e22643" providerId="LiveId" clId="{59D55646-B2C3-4717-A7EF-46DDE28E0D93}" dt="2020-11-25T22:47:38.238" v="23" actId="478"/>
+          <ac:picMkLst>
+            <pc:docMk/>
+            <pc:sldMk cId="502415676" sldId="268"/>
+            <ac:picMk id="47" creationId="{7CAEC9C7-A571-4E5A-81B9-F29596023AEC}"/>
+          </ac:picMkLst>
+        </pc:picChg>
+        <pc:picChg chg="add mod">
+          <ac:chgData name="Fatima Pillosu" userId="a6295d4dc9e22643" providerId="LiveId" clId="{59D55646-B2C3-4717-A7EF-46DDE28E0D93}" dt="2020-11-25T22:56:52.225" v="90" actId="1076"/>
+          <ac:picMkLst>
+            <pc:docMk/>
+            <pc:sldMk cId="502415676" sldId="268"/>
+            <ac:picMk id="73" creationId="{63BC1CBC-B60F-4B97-A2DD-31D761476B99}"/>
+          </ac:picMkLst>
+        </pc:picChg>
+        <pc:picChg chg="add mod">
+          <ac:chgData name="Fatima Pillosu" userId="a6295d4dc9e22643" providerId="LiveId" clId="{59D55646-B2C3-4717-A7EF-46DDE28E0D93}" dt="2020-11-25T22:57:59.693" v="110" actId="1036"/>
+          <ac:picMkLst>
+            <pc:docMk/>
+            <pc:sldMk cId="502415676" sldId="268"/>
+            <ac:picMk id="77" creationId="{59CE8E0D-DE3F-4799-8C75-655F1895AC56}"/>
+          </ac:picMkLst>
+        </pc:picChg>
+        <pc:picChg chg="add mod">
+          <ac:chgData name="Fatima Pillosu" userId="a6295d4dc9e22643" providerId="LiveId" clId="{59D55646-B2C3-4717-A7EF-46DDE28E0D93}" dt="2020-11-25T22:56:52.225" v="90" actId="1076"/>
+          <ac:picMkLst>
+            <pc:docMk/>
+            <pc:sldMk cId="502415676" sldId="268"/>
+            <ac:picMk id="79" creationId="{CD0797B9-CCC8-442E-96DC-39822CB1264D}"/>
+          </ac:picMkLst>
+        </pc:picChg>
+        <pc:picChg chg="add mod">
+          <ac:chgData name="Fatima Pillosu" userId="a6295d4dc9e22643" providerId="LiveId" clId="{59D55646-B2C3-4717-A7EF-46DDE28E0D93}" dt="2020-11-25T22:56:52.225" v="90" actId="1076"/>
+          <ac:picMkLst>
+            <pc:docMk/>
+            <pc:sldMk cId="502415676" sldId="268"/>
+            <ac:picMk id="94" creationId="{14EA62ED-9ED9-482B-822F-A785D17C0FFB}"/>
+          </ac:picMkLst>
+        </pc:picChg>
+        <pc:cxnChg chg="add del mod">
+          <ac:chgData name="Fatima Pillosu" userId="a6295d4dc9e22643" providerId="LiveId" clId="{59D55646-B2C3-4717-A7EF-46DDE28E0D93}" dt="2020-11-25T22:56:15.538" v="88"/>
+          <ac:cxnSpMkLst>
+            <pc:docMk/>
+            <pc:sldMk cId="502415676" sldId="268"/>
+            <ac:cxnSpMk id="4" creationId="{3719E496-B0B3-48A9-9B26-8CEECC6C2C0C}"/>
+          </ac:cxnSpMkLst>
+        </pc:cxnChg>
+        <pc:cxnChg chg="add del mod">
+          <ac:chgData name="Fatima Pillosu" userId="a6295d4dc9e22643" providerId="LiveId" clId="{59D55646-B2C3-4717-A7EF-46DDE28E0D93}" dt="2020-11-25T22:56:09.710" v="87" actId="478"/>
+          <ac:cxnSpMkLst>
+            <pc:docMk/>
+            <pc:sldMk cId="502415676" sldId="268"/>
+            <ac:cxnSpMk id="9" creationId="{B5D5ACDD-A922-4A27-A7C6-5ADE654FE98E}"/>
+          </ac:cxnSpMkLst>
+        </pc:cxnChg>
+        <pc:cxnChg chg="add del mod">
+          <ac:chgData name="Fatima Pillosu" userId="a6295d4dc9e22643" providerId="LiveId" clId="{59D55646-B2C3-4717-A7EF-46DDE28E0D93}" dt="2020-11-25T22:56:15.538" v="88"/>
+          <ac:cxnSpMkLst>
+            <pc:docMk/>
+            <pc:sldMk cId="502415676" sldId="268"/>
+            <ac:cxnSpMk id="70" creationId="{AFD8C98D-C411-4800-B67A-2B2DE15B07A9}"/>
+          </ac:cxnSpMkLst>
+        </pc:cxnChg>
+        <pc:cxnChg chg="add mod">
+          <ac:chgData name="Fatima Pillosu" userId="a6295d4dc9e22643" providerId="LiveId" clId="{59D55646-B2C3-4717-A7EF-46DDE28E0D93}" dt="2020-11-25T22:56:52.225" v="90" actId="1076"/>
+          <ac:cxnSpMkLst>
+            <pc:docMk/>
+            <pc:sldMk cId="502415676" sldId="268"/>
+            <ac:cxnSpMk id="100" creationId="{4EC27F08-5A0B-45B5-A34C-9A64E0354B4F}"/>
+          </ac:cxnSpMkLst>
+        </pc:cxnChg>
+        <pc:cxnChg chg="add mod">
+          <ac:chgData name="Fatima Pillosu" userId="a6295d4dc9e22643" providerId="LiveId" clId="{59D55646-B2C3-4717-A7EF-46DDE28E0D93}" dt="2020-11-25T22:56:52.225" v="90" actId="1076"/>
+          <ac:cxnSpMkLst>
+            <pc:docMk/>
+            <pc:sldMk cId="502415676" sldId="268"/>
+            <ac:cxnSpMk id="101" creationId="{78DF9A99-D0A0-4B02-A385-67A8BF79C9F0}"/>
           </ac:cxnSpMkLst>
         </pc:cxnChg>
       </pc:sldChg>
@@ -2102,8 +2678,8 @@
         </p:nvSpPr>
         <p:spPr>
           <a:xfrm>
-            <a:off x="2336800" y="1233488"/>
-            <a:ext cx="2068513" cy="3332162"/>
+            <a:off x="2576513" y="1233488"/>
+            <a:ext cx="1589087" cy="3332162"/>
           </a:xfrm>
           <a:prstGeom prst="rect">
             <a:avLst/>
@@ -2243,7 +2819,7 @@
           <a:p>
             <a:fld id="{4F703D01-5ACA-419F-B68D-4B081AE209FC}" type="slidenum">
               <a:rPr lang="en-GB" smtClean="0"/>
-              <a:t>‹#›</a:t>
+              <a:t>‹N›</a:t>
             </a:fld>
             <a:endParaRPr lang="en-GB"/>
           </a:p>
@@ -2354,7 +2930,7 @@
 
 <file path=ppt/slideLayouts/slideLayout1.xml><?xml version="1.0" encoding="utf-8"?>
 <p:sldLayout xmlns:a="http://schemas.openxmlformats.org/drawingml/2006/main" xmlns:r="http://schemas.openxmlformats.org/officeDocument/2006/relationships" xmlns:p="http://schemas.openxmlformats.org/presentationml/2006/main" type="title" preserve="1">
-  <p:cSld name="Title Slide">
+  <p:cSld name="Diapositiva titolo">
     <p:spTree>
       <p:nvGrpSpPr>
         <p:cNvPr id="1" name=""/>
@@ -2381,8 +2957,8 @@
         </p:nvSpPr>
         <p:spPr>
           <a:xfrm>
-            <a:off x="256461" y="901527"/>
-            <a:ext cx="2906554" cy="1917818"/>
+            <a:off x="256461" y="1172506"/>
+            <a:ext cx="2906554" cy="2494268"/>
           </a:xfrm>
         </p:spPr>
         <p:txBody>
@@ -2394,8 +2970,8 @@
           </a:lstStyle>
           <a:p>
             <a:r>
-              <a:rPr lang="en-US"/>
-              <a:t>Click to edit Master title style</a:t>
+              <a:rPr lang="it-IT"/>
+              <a:t>Fare clic per modificare lo stile del titolo dello schema</a:t>
             </a:r>
             <a:endParaRPr lang="en-US" dirty="0"/>
           </a:p>
@@ -2413,8 +2989,8 @@
         </p:nvSpPr>
         <p:spPr>
           <a:xfrm>
-            <a:off x="427435" y="2893304"/>
-            <a:ext cx="2564606" cy="1329975"/>
+            <a:off x="427435" y="3762963"/>
+            <a:ext cx="2564606" cy="1729735"/>
           </a:xfrm>
         </p:spPr>
         <p:txBody>
@@ -2459,8 +3035,8 @@
           </a:lstStyle>
           <a:p>
             <a:r>
-              <a:rPr lang="en-US"/>
-              <a:t>Click to edit Master subtitle style</a:t>
+              <a:rPr lang="it-IT"/>
+              <a:t>Fare clic per modificare lo stile del sottotitolo dello schema</a:t>
             </a:r>
             <a:endParaRPr lang="en-US" dirty="0"/>
           </a:p>
@@ -2525,7 +3101,7 @@
           <a:p>
             <a:fld id="{D808AECA-A099-4A8F-AFCA-E5A8C1EC775E}" type="slidenum">
               <a:rPr lang="en-GB" smtClean="0"/>
-              <a:t>‹#›</a:t>
+              <a:t>‹N›</a:t>
             </a:fld>
             <a:endParaRPr lang="en-GB"/>
           </a:p>
@@ -2534,7 +3110,7 @@
     </p:spTree>
     <p:extLst>
       <p:ext uri="{BB962C8B-B14F-4D97-AF65-F5344CB8AC3E}">
-        <p14:creationId xmlns:p14="http://schemas.microsoft.com/office/powerpoint/2010/main" val="79149810"/>
+        <p14:creationId xmlns:p14="http://schemas.microsoft.com/office/powerpoint/2010/main" val="2651669164"/>
       </p:ext>
     </p:extLst>
   </p:cSld>
@@ -2546,7 +3122,7 @@
 
 <file path=ppt/slideLayouts/slideLayout10.xml><?xml version="1.0" encoding="utf-8"?>
 <p:sldLayout xmlns:a="http://schemas.openxmlformats.org/drawingml/2006/main" xmlns:r="http://schemas.openxmlformats.org/officeDocument/2006/relationships" xmlns:p="http://schemas.openxmlformats.org/presentationml/2006/main" type="vertTx" preserve="1">
-  <p:cSld name="Title and Vertical Text">
+  <p:cSld name="Titolo e testo verticale">
     <p:spTree>
       <p:nvGrpSpPr>
         <p:cNvPr id="1" name=""/>
@@ -2577,8 +3153,8 @@
           <a:lstStyle/>
           <a:p>
             <a:r>
-              <a:rPr lang="en-US"/>
-              <a:t>Click to edit Master title style</a:t>
+              <a:rPr lang="it-IT"/>
+              <a:t>Fare clic per modificare lo stile del titolo dello schema</a:t>
             </a:r>
             <a:endParaRPr lang="en-US" dirty="0"/>
           </a:p>
@@ -2601,36 +3177,36 @@
           <a:p>
             <a:pPr lvl="0"/>
             <a:r>
-              <a:rPr lang="en-US"/>
-              <a:t>Click to edit Master text styles</a:t>
+              <a:rPr lang="it-IT"/>
+              <a:t>Fare clic per modificare gli stili del testo dello schema</a:t>
             </a:r>
           </a:p>
           <a:p>
             <a:pPr lvl="1"/>
             <a:r>
-              <a:rPr lang="en-US"/>
-              <a:t>Second level</a:t>
+              <a:rPr lang="it-IT"/>
+              <a:t>Secondo livello</a:t>
             </a:r>
           </a:p>
           <a:p>
             <a:pPr lvl="2"/>
             <a:r>
-              <a:rPr lang="en-US"/>
-              <a:t>Third level</a:t>
+              <a:rPr lang="it-IT"/>
+              <a:t>Terzo livello</a:t>
             </a:r>
           </a:p>
           <a:p>
             <a:pPr lvl="3"/>
             <a:r>
-              <a:rPr lang="en-US"/>
-              <a:t>Fourth level</a:t>
+              <a:rPr lang="it-IT"/>
+              <a:t>Quarto livello</a:t>
             </a:r>
           </a:p>
           <a:p>
             <a:pPr lvl="4"/>
             <a:r>
-              <a:rPr lang="en-US"/>
-              <a:t>Fifth level</a:t>
+              <a:rPr lang="it-IT"/>
+              <a:t>Quinto livello</a:t>
             </a:r>
             <a:endParaRPr lang="en-US" dirty="0"/>
           </a:p>
@@ -2695,7 +3271,7 @@
           <a:p>
             <a:fld id="{D808AECA-A099-4A8F-AFCA-E5A8C1EC775E}" type="slidenum">
               <a:rPr lang="en-GB" smtClean="0"/>
-              <a:t>‹#›</a:t>
+              <a:t>‹N›</a:t>
             </a:fld>
             <a:endParaRPr lang="en-GB"/>
           </a:p>
@@ -2704,7 +3280,7 @@
     </p:spTree>
     <p:extLst>
       <p:ext uri="{BB962C8B-B14F-4D97-AF65-F5344CB8AC3E}">
-        <p14:creationId xmlns:p14="http://schemas.microsoft.com/office/powerpoint/2010/main" val="2256544654"/>
+        <p14:creationId xmlns:p14="http://schemas.microsoft.com/office/powerpoint/2010/main" val="886892839"/>
       </p:ext>
     </p:extLst>
   </p:cSld>
@@ -2716,7 +3292,7 @@
 
 <file path=ppt/slideLayouts/slideLayout11.xml><?xml version="1.0" encoding="utf-8"?>
 <p:sldLayout xmlns:a="http://schemas.openxmlformats.org/drawingml/2006/main" xmlns:r="http://schemas.openxmlformats.org/officeDocument/2006/relationships" xmlns:p="http://schemas.openxmlformats.org/presentationml/2006/main" type="vertTitleAndTx" preserve="1">
-  <p:cSld name="Vertical Title and Text">
+  <p:cSld name="1_Titolo e testo verticale">
     <p:spTree>
       <p:nvGrpSpPr>
         <p:cNvPr id="1" name=""/>
@@ -2743,8 +3319,8 @@
         </p:nvSpPr>
         <p:spPr>
           <a:xfrm>
-            <a:off x="2447062" y="293283"/>
-            <a:ext cx="737324" cy="4668305"/>
+            <a:off x="2447062" y="381437"/>
+            <a:ext cx="737324" cy="6071488"/>
           </a:xfrm>
         </p:spPr>
         <p:txBody>
@@ -2752,8 +3328,8 @@
           <a:lstStyle/>
           <a:p>
             <a:r>
-              <a:rPr lang="en-US"/>
-              <a:t>Click to edit Master title style</a:t>
+              <a:rPr lang="it-IT"/>
+              <a:t>Fare clic per modificare lo stile del titolo dello schema</a:t>
             </a:r>
             <a:endParaRPr lang="en-US" dirty="0"/>
           </a:p>
@@ -2771,8 +3347,8 @@
         </p:nvSpPr>
         <p:spPr>
           <a:xfrm>
-            <a:off x="235089" y="293283"/>
-            <a:ext cx="2169229" cy="4668305"/>
+            <a:off x="235089" y="381437"/>
+            <a:ext cx="2169229" cy="6071488"/>
           </a:xfrm>
         </p:spPr>
         <p:txBody>
@@ -2781,36 +3357,36 @@
           <a:p>
             <a:pPr lvl="0"/>
             <a:r>
-              <a:rPr lang="en-US"/>
-              <a:t>Click to edit Master text styles</a:t>
+              <a:rPr lang="it-IT"/>
+              <a:t>Fare clic per modificare gli stili del testo dello schema</a:t>
             </a:r>
           </a:p>
           <a:p>
             <a:pPr lvl="1"/>
             <a:r>
-              <a:rPr lang="en-US"/>
-              <a:t>Second level</a:t>
+              <a:rPr lang="it-IT"/>
+              <a:t>Secondo livello</a:t>
             </a:r>
           </a:p>
           <a:p>
             <a:pPr lvl="2"/>
             <a:r>
-              <a:rPr lang="en-US"/>
-              <a:t>Third level</a:t>
+              <a:rPr lang="it-IT"/>
+              <a:t>Terzo livello</a:t>
             </a:r>
           </a:p>
           <a:p>
             <a:pPr lvl="3"/>
             <a:r>
-              <a:rPr lang="en-US"/>
-              <a:t>Fourth level</a:t>
+              <a:rPr lang="it-IT"/>
+              <a:t>Quarto livello</a:t>
             </a:r>
           </a:p>
           <a:p>
             <a:pPr lvl="4"/>
             <a:r>
-              <a:rPr lang="en-US"/>
-              <a:t>Fifth level</a:t>
+              <a:rPr lang="it-IT"/>
+              <a:t>Quinto livello</a:t>
             </a:r>
             <a:endParaRPr lang="en-US" dirty="0"/>
           </a:p>
@@ -2875,7 +3451,7 @@
           <a:p>
             <a:fld id="{D808AECA-A099-4A8F-AFCA-E5A8C1EC775E}" type="slidenum">
               <a:rPr lang="en-GB" smtClean="0"/>
-              <a:t>‹#›</a:t>
+              <a:t>‹N›</a:t>
             </a:fld>
             <a:endParaRPr lang="en-GB"/>
           </a:p>
@@ -2884,7 +3460,7 @@
     </p:spTree>
     <p:extLst>
       <p:ext uri="{BB962C8B-B14F-4D97-AF65-F5344CB8AC3E}">
-        <p14:creationId xmlns:p14="http://schemas.microsoft.com/office/powerpoint/2010/main" val="4191260559"/>
+        <p14:creationId xmlns:p14="http://schemas.microsoft.com/office/powerpoint/2010/main" val="2791960013"/>
       </p:ext>
     </p:extLst>
   </p:cSld>
@@ -2896,7 +3472,7 @@
 
 <file path=ppt/slideLayouts/slideLayout2.xml><?xml version="1.0" encoding="utf-8"?>
 <p:sldLayout xmlns:a="http://schemas.openxmlformats.org/drawingml/2006/main" xmlns:r="http://schemas.openxmlformats.org/officeDocument/2006/relationships" xmlns:p="http://schemas.openxmlformats.org/presentationml/2006/main" type="obj" preserve="1">
-  <p:cSld name="Title and Content">
+  <p:cSld name="Titolo e contenuto">
     <p:spTree>
       <p:nvGrpSpPr>
         <p:cNvPr id="1" name=""/>
@@ -2927,8 +3503,8 @@
           <a:lstStyle/>
           <a:p>
             <a:r>
-              <a:rPr lang="en-US"/>
-              <a:t>Click to edit Master title style</a:t>
+              <a:rPr lang="it-IT"/>
+              <a:t>Fare clic per modificare lo stile del titolo dello schema</a:t>
             </a:r>
             <a:endParaRPr lang="en-US" dirty="0"/>
           </a:p>
@@ -2951,36 +3527,36 @@
           <a:p>
             <a:pPr lvl="0"/>
             <a:r>
-              <a:rPr lang="en-US"/>
-              <a:t>Click to edit Master text styles</a:t>
+              <a:rPr lang="it-IT"/>
+              <a:t>Fare clic per modificare gli stili del testo dello schema</a:t>
             </a:r>
           </a:p>
           <a:p>
             <a:pPr lvl="1"/>
             <a:r>
-              <a:rPr lang="en-US"/>
-              <a:t>Second level</a:t>
+              <a:rPr lang="it-IT"/>
+              <a:t>Secondo livello</a:t>
             </a:r>
           </a:p>
           <a:p>
             <a:pPr lvl="2"/>
             <a:r>
-              <a:rPr lang="en-US"/>
-              <a:t>Third level</a:t>
+              <a:rPr lang="it-IT"/>
+              <a:t>Terzo livello</a:t>
             </a:r>
           </a:p>
           <a:p>
             <a:pPr lvl="3"/>
             <a:r>
-              <a:rPr lang="en-US"/>
-              <a:t>Fourth level</a:t>
+              <a:rPr lang="it-IT"/>
+              <a:t>Quarto livello</a:t>
             </a:r>
           </a:p>
           <a:p>
             <a:pPr lvl="4"/>
             <a:r>
-              <a:rPr lang="en-US"/>
-              <a:t>Fifth level</a:t>
+              <a:rPr lang="it-IT"/>
+              <a:t>Quinto livello</a:t>
             </a:r>
             <a:endParaRPr lang="en-US" dirty="0"/>
           </a:p>
@@ -3045,7 +3621,7 @@
           <a:p>
             <a:fld id="{D808AECA-A099-4A8F-AFCA-E5A8C1EC775E}" type="slidenum">
               <a:rPr lang="en-GB" smtClean="0"/>
-              <a:t>‹#›</a:t>
+              <a:t>‹N›</a:t>
             </a:fld>
             <a:endParaRPr lang="en-GB"/>
           </a:p>
@@ -3054,7 +3630,7 @@
     </p:spTree>
     <p:extLst>
       <p:ext uri="{BB962C8B-B14F-4D97-AF65-F5344CB8AC3E}">
-        <p14:creationId xmlns:p14="http://schemas.microsoft.com/office/powerpoint/2010/main" val="317922597"/>
+        <p14:creationId xmlns:p14="http://schemas.microsoft.com/office/powerpoint/2010/main" val="3480069764"/>
       </p:ext>
     </p:extLst>
   </p:cSld>
@@ -3066,7 +3642,7 @@
 
 <file path=ppt/slideLayouts/slideLayout3.xml><?xml version="1.0" encoding="utf-8"?>
 <p:sldLayout xmlns:a="http://schemas.openxmlformats.org/drawingml/2006/main" xmlns:r="http://schemas.openxmlformats.org/officeDocument/2006/relationships" xmlns:p="http://schemas.openxmlformats.org/presentationml/2006/main" type="secHead" preserve="1">
-  <p:cSld name="Section Header">
+  <p:cSld name="Intestazione sezione">
     <p:spTree>
       <p:nvGrpSpPr>
         <p:cNvPr id="1" name=""/>
@@ -3093,8 +3669,8 @@
         </p:nvSpPr>
         <p:spPr>
           <a:xfrm>
-            <a:off x="233308" y="1373332"/>
-            <a:ext cx="2949297" cy="2291435"/>
+            <a:off x="233308" y="1786124"/>
+            <a:ext cx="2949297" cy="2980186"/>
           </a:xfrm>
         </p:spPr>
         <p:txBody>
@@ -3106,8 +3682,8 @@
           </a:lstStyle>
           <a:p>
             <a:r>
-              <a:rPr lang="en-US"/>
-              <a:t>Click to edit Master title style</a:t>
+              <a:rPr lang="it-IT"/>
+              <a:t>Fare clic per modificare lo stile del titolo dello schema</a:t>
             </a:r>
             <a:endParaRPr lang="en-US" dirty="0"/>
           </a:p>
@@ -3125,8 +3701,8 @@
         </p:nvSpPr>
         <p:spPr>
           <a:xfrm>
-            <a:off x="233308" y="3686445"/>
-            <a:ext cx="2949297" cy="1205011"/>
+            <a:off x="233308" y="4794504"/>
+            <a:ext cx="2949297" cy="1567209"/>
           </a:xfrm>
         </p:spPr>
         <p:txBody>
@@ -3224,8 +3800,8 @@
           <a:p>
             <a:pPr lvl="0"/>
             <a:r>
-              <a:rPr lang="en-US"/>
-              <a:t>Click to edit Master text styles</a:t>
+              <a:rPr lang="it-IT"/>
+              <a:t>Fare clic per modificare gli stili del testo dello schema</a:t>
             </a:r>
           </a:p>
         </p:txBody>
@@ -3289,7 +3865,7 @@
           <a:p>
             <a:fld id="{D808AECA-A099-4A8F-AFCA-E5A8C1EC775E}" type="slidenum">
               <a:rPr lang="en-GB" smtClean="0"/>
-              <a:t>‹#›</a:t>
+              <a:t>‹N›</a:t>
             </a:fld>
             <a:endParaRPr lang="en-GB"/>
           </a:p>
@@ -3298,7 +3874,7 @@
     </p:spTree>
     <p:extLst>
       <p:ext uri="{BB962C8B-B14F-4D97-AF65-F5344CB8AC3E}">
-        <p14:creationId xmlns:p14="http://schemas.microsoft.com/office/powerpoint/2010/main" val="2079802615"/>
+        <p14:creationId xmlns:p14="http://schemas.microsoft.com/office/powerpoint/2010/main" val="1916377729"/>
       </p:ext>
     </p:extLst>
   </p:cSld>
@@ -3310,7 +3886,7 @@
 
 <file path=ppt/slideLayouts/slideLayout4.xml><?xml version="1.0" encoding="utf-8"?>
 <p:sldLayout xmlns:a="http://schemas.openxmlformats.org/drawingml/2006/main" xmlns:r="http://schemas.openxmlformats.org/officeDocument/2006/relationships" xmlns:p="http://schemas.openxmlformats.org/presentationml/2006/main" type="twoObj" preserve="1">
-  <p:cSld name="Two Content">
+  <p:cSld name="Due contenuti">
     <p:spTree>
       <p:nvGrpSpPr>
         <p:cNvPr id="1" name=""/>
@@ -3341,8 +3917,8 @@
           <a:lstStyle/>
           <a:p>
             <a:r>
-              <a:rPr lang="en-US"/>
-              <a:t>Click to edit Master title style</a:t>
+              <a:rPr lang="it-IT"/>
+              <a:t>Fare clic per modificare lo stile del titolo dello schema</a:t>
             </a:r>
             <a:endParaRPr lang="en-US" dirty="0"/>
           </a:p>
@@ -3360,8 +3936,8 @@
         </p:nvSpPr>
         <p:spPr>
           <a:xfrm>
-            <a:off x="235089" y="1466416"/>
-            <a:ext cx="1453277" cy="3495172"/>
+            <a:off x="235089" y="1907187"/>
+            <a:ext cx="1453277" cy="4545738"/>
           </a:xfrm>
         </p:spPr>
         <p:txBody>
@@ -3370,36 +3946,36 @@
           <a:p>
             <a:pPr lvl="0"/>
             <a:r>
-              <a:rPr lang="en-US"/>
-              <a:t>Click to edit Master text styles</a:t>
+              <a:rPr lang="it-IT"/>
+              <a:t>Fare clic per modificare gli stili del testo dello schema</a:t>
             </a:r>
           </a:p>
           <a:p>
             <a:pPr lvl="1"/>
             <a:r>
-              <a:rPr lang="en-US"/>
-              <a:t>Second level</a:t>
+              <a:rPr lang="it-IT"/>
+              <a:t>Secondo livello</a:t>
             </a:r>
           </a:p>
           <a:p>
             <a:pPr lvl="2"/>
             <a:r>
-              <a:rPr lang="en-US"/>
-              <a:t>Third level</a:t>
+              <a:rPr lang="it-IT"/>
+              <a:t>Terzo livello</a:t>
             </a:r>
           </a:p>
           <a:p>
             <a:pPr lvl="3"/>
             <a:r>
-              <a:rPr lang="en-US"/>
-              <a:t>Fourth level</a:t>
+              <a:rPr lang="it-IT"/>
+              <a:t>Quarto livello</a:t>
             </a:r>
           </a:p>
           <a:p>
             <a:pPr lvl="4"/>
             <a:r>
-              <a:rPr lang="en-US"/>
-              <a:t>Fifth level</a:t>
+              <a:rPr lang="it-IT"/>
+              <a:t>Quinto livello</a:t>
             </a:r>
             <a:endParaRPr lang="en-US" dirty="0"/>
           </a:p>
@@ -3417,8 +3993,8 @@
         </p:nvSpPr>
         <p:spPr>
           <a:xfrm>
-            <a:off x="1731109" y="1466416"/>
-            <a:ext cx="1453277" cy="3495172"/>
+            <a:off x="1731109" y="1907187"/>
+            <a:ext cx="1453277" cy="4545738"/>
           </a:xfrm>
         </p:spPr>
         <p:txBody>
@@ -3427,36 +4003,36 @@
           <a:p>
             <a:pPr lvl="0"/>
             <a:r>
-              <a:rPr lang="en-US"/>
-              <a:t>Click to edit Master text styles</a:t>
+              <a:rPr lang="it-IT"/>
+              <a:t>Fare clic per modificare gli stili del testo dello schema</a:t>
             </a:r>
           </a:p>
           <a:p>
             <a:pPr lvl="1"/>
             <a:r>
-              <a:rPr lang="en-US"/>
-              <a:t>Second level</a:t>
+              <a:rPr lang="it-IT"/>
+              <a:t>Secondo livello</a:t>
             </a:r>
           </a:p>
           <a:p>
             <a:pPr lvl="2"/>
             <a:r>
-              <a:rPr lang="en-US"/>
-              <a:t>Third level</a:t>
+              <a:rPr lang="it-IT"/>
+              <a:t>Terzo livello</a:t>
             </a:r>
           </a:p>
           <a:p>
             <a:pPr lvl="3"/>
             <a:r>
-              <a:rPr lang="en-US"/>
-              <a:t>Fourth level</a:t>
+              <a:rPr lang="it-IT"/>
+              <a:t>Quarto livello</a:t>
             </a:r>
           </a:p>
           <a:p>
             <a:pPr lvl="4"/>
             <a:r>
-              <a:rPr lang="en-US"/>
-              <a:t>Fifth level</a:t>
+              <a:rPr lang="it-IT"/>
+              <a:t>Quinto livello</a:t>
             </a:r>
             <a:endParaRPr lang="en-US" dirty="0"/>
           </a:p>
@@ -3521,7 +4097,7 @@
           <a:p>
             <a:fld id="{D808AECA-A099-4A8F-AFCA-E5A8C1EC775E}" type="slidenum">
               <a:rPr lang="en-GB" smtClean="0"/>
-              <a:t>‹#›</a:t>
+              <a:t>‹N›</a:t>
             </a:fld>
             <a:endParaRPr lang="en-GB"/>
           </a:p>
@@ -3530,7 +4106,7 @@
     </p:spTree>
     <p:extLst>
       <p:ext uri="{BB962C8B-B14F-4D97-AF65-F5344CB8AC3E}">
-        <p14:creationId xmlns:p14="http://schemas.microsoft.com/office/powerpoint/2010/main" val="3258146552"/>
+        <p14:creationId xmlns:p14="http://schemas.microsoft.com/office/powerpoint/2010/main" val="2514434056"/>
       </p:ext>
     </p:extLst>
   </p:cSld>
@@ -3542,7 +4118,7 @@
 
 <file path=ppt/slideLayouts/slideLayout5.xml><?xml version="1.0" encoding="utf-8"?>
 <p:sldLayout xmlns:a="http://schemas.openxmlformats.org/drawingml/2006/main" xmlns:r="http://schemas.openxmlformats.org/officeDocument/2006/relationships" xmlns:p="http://schemas.openxmlformats.org/presentationml/2006/main" type="twoTxTwoObj" preserve="1">
-  <p:cSld name="Comparison">
+  <p:cSld name="Confronto">
     <p:spTree>
       <p:nvGrpSpPr>
         <p:cNvPr id="1" name=""/>
@@ -3569,8 +4145,8 @@
         </p:nvSpPr>
         <p:spPr>
           <a:xfrm>
-            <a:off x="235534" y="293285"/>
-            <a:ext cx="2949297" cy="1064746"/>
+            <a:off x="235534" y="381439"/>
+            <a:ext cx="2949297" cy="1384784"/>
           </a:xfrm>
         </p:spPr>
         <p:txBody>
@@ -3578,8 +4154,8 @@
           <a:lstStyle/>
           <a:p>
             <a:r>
-              <a:rPr lang="en-US"/>
-              <a:t>Click to edit Master title style</a:t>
+              <a:rPr lang="it-IT"/>
+              <a:t>Fare clic per modificare lo stile del titolo dello schema</a:t>
             </a:r>
             <a:endParaRPr lang="en-US" dirty="0"/>
           </a:p>
@@ -3597,8 +4173,8 @@
         </p:nvSpPr>
         <p:spPr>
           <a:xfrm>
-            <a:off x="235535" y="1350378"/>
-            <a:ext cx="1446598" cy="661800"/>
+            <a:off x="235535" y="1756271"/>
+            <a:ext cx="1446598" cy="860721"/>
           </a:xfrm>
         </p:spPr>
         <p:txBody>
@@ -3644,8 +4220,8 @@
           <a:p>
             <a:pPr lvl="0"/>
             <a:r>
-              <a:rPr lang="en-US"/>
-              <a:t>Click to edit Master text styles</a:t>
+              <a:rPr lang="it-IT"/>
+              <a:t>Fare clic per modificare gli stili del testo dello schema</a:t>
             </a:r>
           </a:p>
         </p:txBody>
@@ -3662,8 +4238,8 @@
         </p:nvSpPr>
         <p:spPr>
           <a:xfrm>
-            <a:off x="235535" y="2012178"/>
-            <a:ext cx="1446598" cy="2959611"/>
+            <a:off x="235535" y="2616992"/>
+            <a:ext cx="1446598" cy="3849201"/>
           </a:xfrm>
         </p:spPr>
         <p:txBody>
@@ -3672,36 +4248,36 @@
           <a:p>
             <a:pPr lvl="0"/>
             <a:r>
-              <a:rPr lang="en-US"/>
-              <a:t>Click to edit Master text styles</a:t>
+              <a:rPr lang="it-IT"/>
+              <a:t>Fare clic per modificare gli stili del testo dello schema</a:t>
             </a:r>
           </a:p>
           <a:p>
             <a:pPr lvl="1"/>
             <a:r>
-              <a:rPr lang="en-US"/>
-              <a:t>Second level</a:t>
+              <a:rPr lang="it-IT"/>
+              <a:t>Secondo livello</a:t>
             </a:r>
           </a:p>
           <a:p>
             <a:pPr lvl="2"/>
             <a:r>
-              <a:rPr lang="en-US"/>
-              <a:t>Third level</a:t>
+              <a:rPr lang="it-IT"/>
+              <a:t>Terzo livello</a:t>
             </a:r>
           </a:p>
           <a:p>
             <a:pPr lvl="3"/>
             <a:r>
-              <a:rPr lang="en-US"/>
-              <a:t>Fourth level</a:t>
+              <a:rPr lang="it-IT"/>
+              <a:t>Quarto livello</a:t>
             </a:r>
           </a:p>
           <a:p>
             <a:pPr lvl="4"/>
             <a:r>
-              <a:rPr lang="en-US"/>
-              <a:t>Fifth level</a:t>
+              <a:rPr lang="it-IT"/>
+              <a:t>Quinto livello</a:t>
             </a:r>
             <a:endParaRPr lang="en-US" dirty="0"/>
           </a:p>
@@ -3719,8 +4295,8 @@
         </p:nvSpPr>
         <p:spPr>
           <a:xfrm>
-            <a:off x="1731110" y="1350378"/>
-            <a:ext cx="1453722" cy="661800"/>
+            <a:off x="1731110" y="1756271"/>
+            <a:ext cx="1453722" cy="860721"/>
           </a:xfrm>
         </p:spPr>
         <p:txBody>
@@ -3766,8 +4342,8 @@
           <a:p>
             <a:pPr lvl="0"/>
             <a:r>
-              <a:rPr lang="en-US"/>
-              <a:t>Click to edit Master text styles</a:t>
+              <a:rPr lang="it-IT"/>
+              <a:t>Fare clic per modificare gli stili del testo dello schema</a:t>
             </a:r>
           </a:p>
         </p:txBody>
@@ -3784,8 +4360,8 @@
         </p:nvSpPr>
         <p:spPr>
           <a:xfrm>
-            <a:off x="1731110" y="2012178"/>
-            <a:ext cx="1453722" cy="2959611"/>
+            <a:off x="1731110" y="2616992"/>
+            <a:ext cx="1453722" cy="3849201"/>
           </a:xfrm>
         </p:spPr>
         <p:txBody>
@@ -3794,36 +4370,36 @@
           <a:p>
             <a:pPr lvl="0"/>
             <a:r>
-              <a:rPr lang="en-US"/>
-              <a:t>Click to edit Master text styles</a:t>
+              <a:rPr lang="it-IT"/>
+              <a:t>Fare clic per modificare gli stili del testo dello schema</a:t>
             </a:r>
           </a:p>
           <a:p>
             <a:pPr lvl="1"/>
             <a:r>
-              <a:rPr lang="en-US"/>
-              <a:t>Second level</a:t>
+              <a:rPr lang="it-IT"/>
+              <a:t>Secondo livello</a:t>
             </a:r>
           </a:p>
           <a:p>
             <a:pPr lvl="2"/>
             <a:r>
-              <a:rPr lang="en-US"/>
-              <a:t>Third level</a:t>
+              <a:rPr lang="it-IT"/>
+              <a:t>Terzo livello</a:t>
             </a:r>
           </a:p>
           <a:p>
             <a:pPr lvl="3"/>
             <a:r>
-              <a:rPr lang="en-US"/>
-              <a:t>Fourth level</a:t>
+              <a:rPr lang="it-IT"/>
+              <a:t>Quarto livello</a:t>
             </a:r>
           </a:p>
           <a:p>
             <a:pPr lvl="4"/>
             <a:r>
-              <a:rPr lang="en-US"/>
-              <a:t>Fifth level</a:t>
+              <a:rPr lang="it-IT"/>
+              <a:t>Quinto livello</a:t>
             </a:r>
             <a:endParaRPr lang="en-US" dirty="0"/>
           </a:p>
@@ -3888,7 +4464,7 @@
           <a:p>
             <a:fld id="{D808AECA-A099-4A8F-AFCA-E5A8C1EC775E}" type="slidenum">
               <a:rPr lang="en-GB" smtClean="0"/>
-              <a:t>‹#›</a:t>
+              <a:t>‹N›</a:t>
             </a:fld>
             <a:endParaRPr lang="en-GB"/>
           </a:p>
@@ -3897,7 +4473,7 @@
     </p:spTree>
     <p:extLst>
       <p:ext uri="{BB962C8B-B14F-4D97-AF65-F5344CB8AC3E}">
-        <p14:creationId xmlns:p14="http://schemas.microsoft.com/office/powerpoint/2010/main" val="2607871123"/>
+        <p14:creationId xmlns:p14="http://schemas.microsoft.com/office/powerpoint/2010/main" val="3515184625"/>
       </p:ext>
     </p:extLst>
   </p:cSld>
@@ -3909,7 +4485,7 @@
 
 <file path=ppt/slideLayouts/slideLayout6.xml><?xml version="1.0" encoding="utf-8"?>
 <p:sldLayout xmlns:a="http://schemas.openxmlformats.org/drawingml/2006/main" xmlns:r="http://schemas.openxmlformats.org/officeDocument/2006/relationships" xmlns:p="http://schemas.openxmlformats.org/presentationml/2006/main" type="titleOnly" preserve="1">
-  <p:cSld name="Title Only">
+  <p:cSld name="Solo titolo">
     <p:spTree>
       <p:nvGrpSpPr>
         <p:cNvPr id="1" name=""/>
@@ -3940,8 +4516,8 @@
           <a:lstStyle/>
           <a:p>
             <a:r>
-              <a:rPr lang="en-US"/>
-              <a:t>Click to edit Master title style</a:t>
+              <a:rPr lang="it-IT"/>
+              <a:t>Fare clic per modificare lo stile del titolo dello schema</a:t>
             </a:r>
             <a:endParaRPr lang="en-US" dirty="0"/>
           </a:p>
@@ -4006,7 +4582,7 @@
           <a:p>
             <a:fld id="{D808AECA-A099-4A8F-AFCA-E5A8C1EC775E}" type="slidenum">
               <a:rPr lang="en-GB" smtClean="0"/>
-              <a:t>‹#›</a:t>
+              <a:t>‹N›</a:t>
             </a:fld>
             <a:endParaRPr lang="en-GB"/>
           </a:p>
@@ -4015,7 +4591,7 @@
     </p:spTree>
     <p:extLst>
       <p:ext uri="{BB962C8B-B14F-4D97-AF65-F5344CB8AC3E}">
-        <p14:creationId xmlns:p14="http://schemas.microsoft.com/office/powerpoint/2010/main" val="3250743568"/>
+        <p14:creationId xmlns:p14="http://schemas.microsoft.com/office/powerpoint/2010/main" val="2450544341"/>
       </p:ext>
     </p:extLst>
   </p:cSld>
@@ -4027,7 +4603,7 @@
 
 <file path=ppt/slideLayouts/slideLayout7.xml><?xml version="1.0" encoding="utf-8"?>
 <p:sldLayout xmlns:a="http://schemas.openxmlformats.org/drawingml/2006/main" xmlns:r="http://schemas.openxmlformats.org/officeDocument/2006/relationships" xmlns:p="http://schemas.openxmlformats.org/presentationml/2006/main" type="blank" preserve="1">
-  <p:cSld name="Blank">
+  <p:cSld name="Vuota">
     <p:spTree>
       <p:nvGrpSpPr>
         <p:cNvPr id="1" name=""/>
@@ -4101,7 +4677,7 @@
           <a:p>
             <a:fld id="{D808AECA-A099-4A8F-AFCA-E5A8C1EC775E}" type="slidenum">
               <a:rPr lang="en-GB" smtClean="0"/>
-              <a:t>‹#›</a:t>
+              <a:t>‹N›</a:t>
             </a:fld>
             <a:endParaRPr lang="en-GB"/>
           </a:p>
@@ -4110,7 +4686,7 @@
     </p:spTree>
     <p:extLst>
       <p:ext uri="{BB962C8B-B14F-4D97-AF65-F5344CB8AC3E}">
-        <p14:creationId xmlns:p14="http://schemas.microsoft.com/office/powerpoint/2010/main" val="2779229545"/>
+        <p14:creationId xmlns:p14="http://schemas.microsoft.com/office/powerpoint/2010/main" val="876962364"/>
       </p:ext>
     </p:extLst>
   </p:cSld>
@@ -4122,7 +4698,7 @@
 
 <file path=ppt/slideLayouts/slideLayout8.xml><?xml version="1.0" encoding="utf-8"?>
 <p:sldLayout xmlns:a="http://schemas.openxmlformats.org/drawingml/2006/main" xmlns:r="http://schemas.openxmlformats.org/officeDocument/2006/relationships" xmlns:p="http://schemas.openxmlformats.org/presentationml/2006/main" type="objTx" preserve="1">
-  <p:cSld name="Content with Caption">
+  <p:cSld name="Contenuto con didascalia">
     <p:spTree>
       <p:nvGrpSpPr>
         <p:cNvPr id="1" name=""/>
@@ -4149,8 +4725,8 @@
         </p:nvSpPr>
         <p:spPr>
           <a:xfrm>
-            <a:off x="235534" y="367242"/>
-            <a:ext cx="1102870" cy="1285346"/>
+            <a:off x="235534" y="477626"/>
+            <a:ext cx="1102870" cy="1671691"/>
           </a:xfrm>
         </p:spPr>
         <p:txBody>
@@ -4162,8 +4738,8 @@
           </a:lstStyle>
           <a:p>
             <a:r>
-              <a:rPr lang="en-US"/>
-              <a:t>Click to edit Master title style</a:t>
+              <a:rPr lang="it-IT"/>
+              <a:t>Fare clic per modificare lo stile del titolo dello schema</a:t>
             </a:r>
             <a:endParaRPr lang="en-US" dirty="0"/>
           </a:p>
@@ -4181,8 +4757,8 @@
         </p:nvSpPr>
         <p:spPr>
           <a:xfrm>
-            <a:off x="1453722" y="793141"/>
-            <a:ext cx="1731109" cy="3914694"/>
+            <a:off x="1453722" y="1031541"/>
+            <a:ext cx="1731109" cy="5091359"/>
           </a:xfrm>
         </p:spPr>
         <p:txBody>
@@ -4219,36 +4795,36 @@
           <a:p>
             <a:pPr lvl="0"/>
             <a:r>
-              <a:rPr lang="en-US"/>
-              <a:t>Click to edit Master text styles</a:t>
+              <a:rPr lang="it-IT"/>
+              <a:t>Fare clic per modificare gli stili del testo dello schema</a:t>
             </a:r>
           </a:p>
           <a:p>
             <a:pPr lvl="1"/>
             <a:r>
-              <a:rPr lang="en-US"/>
-              <a:t>Second level</a:t>
+              <a:rPr lang="it-IT"/>
+              <a:t>Secondo livello</a:t>
             </a:r>
           </a:p>
           <a:p>
             <a:pPr lvl="2"/>
             <a:r>
-              <a:rPr lang="en-US"/>
-              <a:t>Third level</a:t>
+              <a:rPr lang="it-IT"/>
+              <a:t>Terzo livello</a:t>
             </a:r>
           </a:p>
           <a:p>
             <a:pPr lvl="3"/>
             <a:r>
-              <a:rPr lang="en-US"/>
-              <a:t>Fourth level</a:t>
+              <a:rPr lang="it-IT"/>
+              <a:t>Quarto livello</a:t>
             </a:r>
           </a:p>
           <a:p>
             <a:pPr lvl="4"/>
             <a:r>
-              <a:rPr lang="en-US"/>
-              <a:t>Fifth level</a:t>
+              <a:rPr lang="it-IT"/>
+              <a:t>Quinto livello</a:t>
             </a:r>
             <a:endParaRPr lang="en-US" dirty="0"/>
           </a:p>
@@ -4266,8 +4842,8 @@
         </p:nvSpPr>
         <p:spPr>
           <a:xfrm>
-            <a:off x="235534" y="1652587"/>
-            <a:ext cx="1102870" cy="3061623"/>
+            <a:off x="235534" y="2149316"/>
+            <a:ext cx="1102870" cy="3981875"/>
           </a:xfrm>
         </p:spPr>
         <p:txBody>
@@ -4313,8 +4889,8 @@
           <a:p>
             <a:pPr lvl="0"/>
             <a:r>
-              <a:rPr lang="en-US"/>
-              <a:t>Click to edit Master text styles</a:t>
+              <a:rPr lang="it-IT"/>
+              <a:t>Fare clic per modificare gli stili del testo dello schema</a:t>
             </a:r>
           </a:p>
         </p:txBody>
@@ -4378,7 +4954,7 @@
           <a:p>
             <a:fld id="{D808AECA-A099-4A8F-AFCA-E5A8C1EC775E}" type="slidenum">
               <a:rPr lang="en-GB" smtClean="0"/>
-              <a:t>‹#›</a:t>
+              <a:t>‹N›</a:t>
             </a:fld>
             <a:endParaRPr lang="en-GB"/>
           </a:p>
@@ -4387,7 +4963,7 @@
     </p:spTree>
     <p:extLst>
       <p:ext uri="{BB962C8B-B14F-4D97-AF65-F5344CB8AC3E}">
-        <p14:creationId xmlns:p14="http://schemas.microsoft.com/office/powerpoint/2010/main" val="1022562598"/>
+        <p14:creationId xmlns:p14="http://schemas.microsoft.com/office/powerpoint/2010/main" val="2525666814"/>
       </p:ext>
     </p:extLst>
   </p:cSld>
@@ -4399,7 +4975,7 @@
 
 <file path=ppt/slideLayouts/slideLayout9.xml><?xml version="1.0" encoding="utf-8"?>
 <p:sldLayout xmlns:a="http://schemas.openxmlformats.org/drawingml/2006/main" xmlns:r="http://schemas.openxmlformats.org/officeDocument/2006/relationships" xmlns:p="http://schemas.openxmlformats.org/presentationml/2006/main" type="picTx" preserve="1">
-  <p:cSld name="Picture with Caption">
+  <p:cSld name="Immagine con didascalia">
     <p:spTree>
       <p:nvGrpSpPr>
         <p:cNvPr id="1" name=""/>
@@ -4426,8 +5002,8 @@
         </p:nvSpPr>
         <p:spPr>
           <a:xfrm>
-            <a:off x="235534" y="367242"/>
-            <a:ext cx="1102870" cy="1285346"/>
+            <a:off x="235534" y="477626"/>
+            <a:ext cx="1102870" cy="1671691"/>
           </a:xfrm>
         </p:spPr>
         <p:txBody>
@@ -4439,8 +5015,8 @@
           </a:lstStyle>
           <a:p>
             <a:r>
-              <a:rPr lang="en-US"/>
-              <a:t>Click to edit Master title style</a:t>
+              <a:rPr lang="it-IT"/>
+              <a:t>Fare clic per modificare lo stile del titolo dello schema</a:t>
             </a:r>
             <a:endParaRPr lang="en-US" dirty="0"/>
           </a:p>
@@ -4458,8 +5034,8 @@
         </p:nvSpPr>
         <p:spPr>
           <a:xfrm>
-            <a:off x="1453722" y="793141"/>
-            <a:ext cx="1731109" cy="3914694"/>
+            <a:off x="1453722" y="1031541"/>
+            <a:ext cx="1731109" cy="5091359"/>
           </a:xfrm>
         </p:spPr>
         <p:txBody>
@@ -4504,8 +5080,8 @@
           </a:lstStyle>
           <a:p>
             <a:r>
-              <a:rPr lang="en-US"/>
-              <a:t>Click icon to add picture</a:t>
+              <a:rPr lang="it-IT"/>
+              <a:t>Fare clic sull'icona per inserire un'immagine</a:t>
             </a:r>
             <a:endParaRPr lang="en-US" dirty="0"/>
           </a:p>
@@ -4523,8 +5099,8 @@
         </p:nvSpPr>
         <p:spPr>
           <a:xfrm>
-            <a:off x="235534" y="1652587"/>
-            <a:ext cx="1102870" cy="3061623"/>
+            <a:off x="235534" y="2149316"/>
+            <a:ext cx="1102870" cy="3981875"/>
           </a:xfrm>
         </p:spPr>
         <p:txBody>
@@ -4570,8 +5146,8 @@
           <a:p>
             <a:pPr lvl="0"/>
             <a:r>
-              <a:rPr lang="en-US"/>
-              <a:t>Click to edit Master text styles</a:t>
+              <a:rPr lang="it-IT"/>
+              <a:t>Fare clic per modificare gli stili del testo dello schema</a:t>
             </a:r>
           </a:p>
         </p:txBody>
@@ -4635,7 +5211,7 @@
           <a:p>
             <a:fld id="{D808AECA-A099-4A8F-AFCA-E5A8C1EC775E}" type="slidenum">
               <a:rPr lang="en-GB" smtClean="0"/>
-              <a:t>‹#›</a:t>
+              <a:t>‹N›</a:t>
             </a:fld>
             <a:endParaRPr lang="en-GB"/>
           </a:p>
@@ -4644,7 +5220,7 @@
     </p:spTree>
     <p:extLst>
       <p:ext uri="{BB962C8B-B14F-4D97-AF65-F5344CB8AC3E}">
-        <p14:creationId xmlns:p14="http://schemas.microsoft.com/office/powerpoint/2010/main" val="3969979543"/>
+        <p14:creationId xmlns:p14="http://schemas.microsoft.com/office/powerpoint/2010/main" val="411065427"/>
       </p:ext>
     </p:extLst>
   </p:cSld>
@@ -4688,8 +5264,8 @@
         </p:nvSpPr>
         <p:spPr>
           <a:xfrm>
-            <a:off x="235089" y="293285"/>
-            <a:ext cx="2949297" cy="1064746"/>
+            <a:off x="235089" y="381439"/>
+            <a:ext cx="2949297" cy="1384784"/>
           </a:xfrm>
           <a:prstGeom prst="rect">
             <a:avLst/>
@@ -4702,8 +5278,8 @@
           <a:lstStyle/>
           <a:p>
             <a:r>
-              <a:rPr lang="en-US"/>
-              <a:t>Click to edit Master title style</a:t>
+              <a:rPr lang="it-IT"/>
+              <a:t>Fare clic per modificare lo stile del titolo dello schema</a:t>
             </a:r>
             <a:endParaRPr lang="en-US" dirty="0"/>
           </a:p>
@@ -4721,8 +5297,8 @@
         </p:nvSpPr>
         <p:spPr>
           <a:xfrm>
-            <a:off x="235089" y="1466416"/>
-            <a:ext cx="2949297" cy="3495172"/>
+            <a:off x="235089" y="1907187"/>
+            <a:ext cx="2949297" cy="4545738"/>
           </a:xfrm>
           <a:prstGeom prst="rect">
             <a:avLst/>
@@ -4736,36 +5312,36 @@
           <a:p>
             <a:pPr lvl="0"/>
             <a:r>
-              <a:rPr lang="en-US"/>
-              <a:t>Click to edit Master text styles</a:t>
+              <a:rPr lang="it-IT"/>
+              <a:t>Fare clic per modificare gli stili del testo dello schema</a:t>
             </a:r>
           </a:p>
           <a:p>
             <a:pPr lvl="1"/>
             <a:r>
-              <a:rPr lang="en-US"/>
-              <a:t>Second level</a:t>
+              <a:rPr lang="it-IT"/>
+              <a:t>Secondo livello</a:t>
             </a:r>
           </a:p>
           <a:p>
             <a:pPr lvl="2"/>
             <a:r>
-              <a:rPr lang="en-US"/>
-              <a:t>Third level</a:t>
+              <a:rPr lang="it-IT"/>
+              <a:t>Terzo livello</a:t>
             </a:r>
           </a:p>
           <a:p>
             <a:pPr lvl="3"/>
             <a:r>
-              <a:rPr lang="en-US"/>
-              <a:t>Fourth level</a:t>
+              <a:rPr lang="it-IT"/>
+              <a:t>Quarto livello</a:t>
             </a:r>
           </a:p>
           <a:p>
             <a:pPr lvl="4"/>
             <a:r>
-              <a:rPr lang="en-US"/>
-              <a:t>Fifth level</a:t>
+              <a:rPr lang="it-IT"/>
+              <a:t>Quinto livello</a:t>
             </a:r>
             <a:endParaRPr lang="en-US" dirty="0"/>
           </a:p>
@@ -4783,8 +5359,8 @@
         </p:nvSpPr>
         <p:spPr>
           <a:xfrm>
-            <a:off x="235089" y="5105681"/>
-            <a:ext cx="769382" cy="293283"/>
+            <a:off x="235089" y="6640328"/>
+            <a:ext cx="769382" cy="381437"/>
           </a:xfrm>
           <a:prstGeom prst="rect">
             <a:avLst/>
@@ -4824,8 +5400,8 @@
         </p:nvSpPr>
         <p:spPr>
           <a:xfrm>
-            <a:off x="1132701" y="5105681"/>
-            <a:ext cx="1154073" cy="293283"/>
+            <a:off x="1132701" y="6640328"/>
+            <a:ext cx="1154073" cy="381437"/>
           </a:xfrm>
           <a:prstGeom prst="rect">
             <a:avLst/>
@@ -4861,8 +5437,8 @@
         </p:nvSpPr>
         <p:spPr>
           <a:xfrm>
-            <a:off x="2415004" y="5105681"/>
-            <a:ext cx="769382" cy="293283"/>
+            <a:off x="2415004" y="6640328"/>
+            <a:ext cx="769382" cy="381437"/>
           </a:xfrm>
           <a:prstGeom prst="rect">
             <a:avLst/>
@@ -4884,7 +5460,7 @@
           <a:p>
             <a:fld id="{D808AECA-A099-4A8F-AFCA-E5A8C1EC775E}" type="slidenum">
               <a:rPr lang="en-GB" smtClean="0"/>
-              <a:t>‹#›</a:t>
+              <a:t>‹N›</a:t>
             </a:fld>
             <a:endParaRPr lang="en-GB"/>
           </a:p>
@@ -4893,23 +5469,23 @@
     </p:spTree>
     <p:extLst>
       <p:ext uri="{BB962C8B-B14F-4D97-AF65-F5344CB8AC3E}">
-        <p14:creationId xmlns:p14="http://schemas.microsoft.com/office/powerpoint/2010/main" val="3843735347"/>
+        <p14:creationId xmlns:p14="http://schemas.microsoft.com/office/powerpoint/2010/main" val="2778273647"/>
       </p:ext>
     </p:extLst>
   </p:cSld>
   <p:clrMap bg1="lt1" tx1="dk1" bg2="lt2" tx2="dk2" accent1="accent1" accent2="accent2" accent3="accent3" accent4="accent4" accent5="accent5" accent6="accent6" hlink="hlink" folHlink="folHlink"/>
   <p:sldLayoutIdLst>
-    <p:sldLayoutId id="2147483673" r:id="rId1"/>
-    <p:sldLayoutId id="2147483674" r:id="rId2"/>
-    <p:sldLayoutId id="2147483675" r:id="rId3"/>
-    <p:sldLayoutId id="2147483676" r:id="rId4"/>
-    <p:sldLayoutId id="2147483677" r:id="rId5"/>
-    <p:sldLayoutId id="2147483678" r:id="rId6"/>
-    <p:sldLayoutId id="2147483679" r:id="rId7"/>
-    <p:sldLayoutId id="2147483680" r:id="rId8"/>
-    <p:sldLayoutId id="2147483681" r:id="rId9"/>
-    <p:sldLayoutId id="2147483682" r:id="rId10"/>
-    <p:sldLayoutId id="2147483683" r:id="rId11"/>
+    <p:sldLayoutId id="2147483685" r:id="rId1"/>
+    <p:sldLayoutId id="2147483686" r:id="rId2"/>
+    <p:sldLayoutId id="2147483687" r:id="rId3"/>
+    <p:sldLayoutId id="2147483688" r:id="rId4"/>
+    <p:sldLayoutId id="2147483689" r:id="rId5"/>
+    <p:sldLayoutId id="2147483690" r:id="rId6"/>
+    <p:sldLayoutId id="2147483691" r:id="rId7"/>
+    <p:sldLayoutId id="2147483692" r:id="rId8"/>
+    <p:sldLayoutId id="2147483693" r:id="rId9"/>
+    <p:sldLayoutId id="2147483694" r:id="rId10"/>
+    <p:sldLayoutId id="2147483695" r:id="rId11"/>
   </p:sldLayoutIdLst>
   <p:txStyles>
     <p:titleStyle>
@@ -5211,12 +5787,66 @@
           <a:chExt cx="0" cy="0"/>
         </a:xfrm>
       </p:grpSpPr>
+      <p:sp>
+        <p:nvSpPr>
+          <p:cNvPr id="72" name="Rettangolo 71">
+            <a:extLst>
+              <a:ext uri="{FF2B5EF4-FFF2-40B4-BE49-F238E27FC236}">
+                <a16:creationId xmlns:a16="http://schemas.microsoft.com/office/drawing/2014/main" id="{C3B2311E-C1C9-499E-B6CE-6FF6C67FF0A6}"/>
+              </a:ext>
+            </a:extLst>
+          </p:cNvPr>
+          <p:cNvSpPr/>
+          <p:nvPr/>
+        </p:nvSpPr>
+        <p:spPr>
+          <a:xfrm>
+            <a:off x="0" y="0"/>
+            <a:ext cx="3419475" cy="1605600"/>
+          </a:xfrm>
+          <a:prstGeom prst="rect">
+            <a:avLst/>
+          </a:prstGeom>
+          <a:solidFill>
+            <a:schemeClr val="bg1"/>
+          </a:solidFill>
+          <a:ln w="3175">
+            <a:solidFill>
+              <a:schemeClr val="tx1"/>
+            </a:solidFill>
+          </a:ln>
+        </p:spPr>
+        <p:style>
+          <a:lnRef idx="2">
+            <a:schemeClr val="accent1">
+              <a:shade val="50000"/>
+            </a:schemeClr>
+          </a:lnRef>
+          <a:fillRef idx="1">
+            <a:schemeClr val="accent1"/>
+          </a:fillRef>
+          <a:effectRef idx="0">
+            <a:schemeClr val="accent1"/>
+          </a:effectRef>
+          <a:fontRef idx="minor">
+            <a:schemeClr val="lt1"/>
+          </a:fontRef>
+        </p:style>
+        <p:txBody>
+          <a:bodyPr rtlCol="0" anchor="ctr"/>
+          <a:lstStyle/>
+          <a:p>
+            <a:pPr algn="ctr"/>
+            <a:endParaRPr lang="en-GB"/>
+          </a:p>
+        </p:txBody>
+      </p:sp>
       <p:pic>
         <p:nvPicPr>
-          <p:cNvPr id="38" name="Picture 37">
+          <p:cNvPr id="73" name="Picture 37">
             <a:extLst>
               <a:ext uri="{FF2B5EF4-FFF2-40B4-BE49-F238E27FC236}">
-                <a16:creationId xmlns:a16="http://schemas.microsoft.com/office/drawing/2014/main" id="{C80CDE89-758D-498E-8DF4-2A6FE80B1729}"/>
+                <a16:creationId xmlns:a16="http://schemas.microsoft.com/office/drawing/2014/main" id="{63BC1CBC-B60F-4B97-A2DD-31D761476B99}"/>
               </a:ext>
             </a:extLst>
           </p:cNvPr>
@@ -5232,7 +5862,7 @@
         </p:blipFill>
         <p:spPr>
           <a:xfrm>
-            <a:off x="5791" y="6163"/>
+            <a:off x="5791" y="1684352"/>
             <a:ext cx="3413684" cy="3239463"/>
           </a:xfrm>
           <a:prstGeom prst="rect">
@@ -5247,10 +5877,10 @@
       </p:pic>
       <p:sp>
         <p:nvSpPr>
-          <p:cNvPr id="39" name="CasellaDiTesto 6">
+          <p:cNvPr id="74" name="CasellaDiTesto 6">
             <a:extLst>
               <a:ext uri="{FF2B5EF4-FFF2-40B4-BE49-F238E27FC236}">
-                <a16:creationId xmlns:a16="http://schemas.microsoft.com/office/drawing/2014/main" id="{19EF1DA6-3627-4C7B-AB82-A37D058D5B99}"/>
+                <a16:creationId xmlns:a16="http://schemas.microsoft.com/office/drawing/2014/main" id="{EAB85EEA-D0F7-4A28-99C3-3DCCB43D291E}"/>
               </a:ext>
             </a:extLst>
           </p:cNvPr>
@@ -5259,7 +5889,7 @@
         </p:nvSpPr>
         <p:spPr>
           <a:xfrm>
-            <a:off x="3026701" y="60903"/>
+            <a:off x="3026701" y="1739092"/>
             <a:ext cx="252000" cy="276999"/>
           </a:xfrm>
           <a:prstGeom prst="rect">
@@ -5283,7 +5913,7 @@
             <a:pPr algn="ctr"/>
             <a:r>
               <a:rPr lang="es-ES" sz="1200" b="1" dirty="0"/>
-              <a:t>a</a:t>
+              <a:t>b</a:t>
             </a:r>
             <a:endParaRPr lang="en-GB" sz="1200" b="1" dirty="0"/>
           </a:p>
@@ -5291,10 +5921,10 @@
       </p:sp>
       <p:sp>
         <p:nvSpPr>
-          <p:cNvPr id="40" name="TextBox 39">
+          <p:cNvPr id="75" name="TextBox 39">
             <a:extLst>
               <a:ext uri="{FF2B5EF4-FFF2-40B4-BE49-F238E27FC236}">
-                <a16:creationId xmlns:a16="http://schemas.microsoft.com/office/drawing/2014/main" id="{7A37FBF0-8A80-4265-8461-00E6CC3F911A}"/>
+                <a16:creationId xmlns:a16="http://schemas.microsoft.com/office/drawing/2014/main" id="{62F0378C-8AD4-40B3-9A5F-CAA382F2AE3A}"/>
               </a:ext>
             </a:extLst>
           </p:cNvPr>
@@ -5303,7 +5933,7 @@
         </p:nvSpPr>
         <p:spPr>
           <a:xfrm>
-            <a:off x="123498" y="1534988"/>
+            <a:off x="1082399" y="3662999"/>
             <a:ext cx="609614" cy="400110"/>
           </a:xfrm>
           <a:prstGeom prst="rect">
@@ -5334,10 +5964,10 @@
       </p:sp>
       <p:sp>
         <p:nvSpPr>
-          <p:cNvPr id="41" name="TextBox 40">
+          <p:cNvPr id="76" name="TextBox 40">
             <a:extLst>
               <a:ext uri="{FF2B5EF4-FFF2-40B4-BE49-F238E27FC236}">
-                <a16:creationId xmlns:a16="http://schemas.microsoft.com/office/drawing/2014/main" id="{EAE5B556-A49E-48B3-9D5A-122A8BBFA97C}"/>
+                <a16:creationId xmlns:a16="http://schemas.microsoft.com/office/drawing/2014/main" id="{70BF1A74-ABBC-4354-BF6D-2170519AABA1}"/>
               </a:ext>
             </a:extLst>
           </p:cNvPr>
@@ -5346,7 +5976,7 @@
         </p:nvSpPr>
         <p:spPr>
           <a:xfrm>
-            <a:off x="2603308" y="527202"/>
+            <a:off x="2603308" y="2205391"/>
             <a:ext cx="846785" cy="400110"/>
           </a:xfrm>
           <a:prstGeom prst="rect">
@@ -5370,10 +6000,10 @@
       </p:sp>
       <p:pic>
         <p:nvPicPr>
-          <p:cNvPr id="42" name="Picture 41">
+          <p:cNvPr id="77" name="Picture 41">
             <a:extLst>
               <a:ext uri="{FF2B5EF4-FFF2-40B4-BE49-F238E27FC236}">
-                <a16:creationId xmlns:a16="http://schemas.microsoft.com/office/drawing/2014/main" id="{0A101254-76FB-43AC-83F7-38AC770B1D78}"/>
+                <a16:creationId xmlns:a16="http://schemas.microsoft.com/office/drawing/2014/main" id="{59CE8E0D-DE3F-4799-8C75-655F1895AC56}"/>
               </a:ext>
             </a:extLst>
           </p:cNvPr>
@@ -5396,7 +6026,7 @@
         </p:blipFill>
         <p:spPr>
           <a:xfrm>
-            <a:off x="5791" y="3340907"/>
+            <a:off x="5791" y="4990391"/>
             <a:ext cx="3413684" cy="2162177"/>
           </a:xfrm>
           <a:prstGeom prst="rect">
@@ -5411,10 +6041,10 @@
       </p:pic>
       <p:sp>
         <p:nvSpPr>
-          <p:cNvPr id="43" name="CasellaDiTesto 6">
+          <p:cNvPr id="78" name="CasellaDiTesto 6">
             <a:extLst>
               <a:ext uri="{FF2B5EF4-FFF2-40B4-BE49-F238E27FC236}">
-                <a16:creationId xmlns:a16="http://schemas.microsoft.com/office/drawing/2014/main" id="{70BD85FD-C225-437E-B4C4-0F9AA04193F7}"/>
+                <a16:creationId xmlns:a16="http://schemas.microsoft.com/office/drawing/2014/main" id="{D635FEE2-D3F1-49FA-9FD7-DEB27FBAB0B8}"/>
               </a:ext>
             </a:extLst>
           </p:cNvPr>
@@ -5423,7 +6053,7 @@
         </p:nvSpPr>
         <p:spPr>
           <a:xfrm>
-            <a:off x="3028801" y="5129195"/>
+            <a:off x="3028801" y="6778679"/>
             <a:ext cx="252000" cy="276999"/>
           </a:xfrm>
           <a:prstGeom prst="rect">
@@ -5447,7 +6077,7 @@
             <a:pPr algn="ctr"/>
             <a:r>
               <a:rPr lang="es-ES" sz="1200" b="1" dirty="0"/>
-              <a:t>b</a:t>
+              <a:t>c</a:t>
             </a:r>
             <a:endParaRPr lang="en-GB" sz="1200" b="1" dirty="0"/>
           </a:p>
@@ -5455,10 +6085,10 @@
       </p:sp>
       <p:pic>
         <p:nvPicPr>
-          <p:cNvPr id="44" name="Picture 43">
+          <p:cNvPr id="79" name="Picture 43">
             <a:extLst>
               <a:ext uri="{FF2B5EF4-FFF2-40B4-BE49-F238E27FC236}">
-                <a16:creationId xmlns:a16="http://schemas.microsoft.com/office/drawing/2014/main" id="{0BC116C9-BE03-4F5F-BFD2-22D45DD17980}"/>
+                <a16:creationId xmlns:a16="http://schemas.microsoft.com/office/drawing/2014/main" id="{CD0797B9-CCC8-442E-96DC-39822CB1264D}"/>
               </a:ext>
             </a:extLst>
           </p:cNvPr>
@@ -5474,8 +6104,8 @@
         </p:blipFill>
         <p:spPr>
           <a:xfrm>
-            <a:off x="44577" y="2672444"/>
-            <a:ext cx="358703" cy="1111442"/>
+            <a:off x="44578" y="3942758"/>
+            <a:ext cx="507710" cy="1573142"/>
           </a:xfrm>
           <a:prstGeom prst="rect">
             <a:avLst/>
@@ -5484,10 +6114,10 @@
       </p:pic>
       <p:sp>
         <p:nvSpPr>
-          <p:cNvPr id="45" name="TextBox 44">
+          <p:cNvPr id="80" name="TextBox 44">
             <a:extLst>
               <a:ext uri="{FF2B5EF4-FFF2-40B4-BE49-F238E27FC236}">
-                <a16:creationId xmlns:a16="http://schemas.microsoft.com/office/drawing/2014/main" id="{963BB774-3A8E-4600-944F-F5E24055ECE1}"/>
+                <a16:creationId xmlns:a16="http://schemas.microsoft.com/office/drawing/2014/main" id="{0E34FCBC-5085-4B7C-AE5F-5C72B94002CA}"/>
               </a:ext>
             </a:extLst>
           </p:cNvPr>
@@ -5496,7 +6126,7 @@
         </p:nvSpPr>
         <p:spPr>
           <a:xfrm>
-            <a:off x="-46489" y="2465437"/>
+            <a:off x="23351" y="3755672"/>
             <a:ext cx="609614" cy="230832"/>
           </a:xfrm>
           <a:prstGeom prst="rect">
@@ -5520,12 +6150,490 @@
           </a:p>
         </p:txBody>
       </p:sp>
+      <p:sp>
+        <p:nvSpPr>
+          <p:cNvPr id="81" name="TextBox 47">
+            <a:extLst>
+              <a:ext uri="{FF2B5EF4-FFF2-40B4-BE49-F238E27FC236}">
+                <a16:creationId xmlns:a16="http://schemas.microsoft.com/office/drawing/2014/main" id="{F255C6C0-34F9-4C26-9A58-4E87B4753BA5}"/>
+              </a:ext>
+            </a:extLst>
+          </p:cNvPr>
+          <p:cNvSpPr txBox="1"/>
+          <p:nvPr/>
+        </p:nvSpPr>
+        <p:spPr>
+          <a:xfrm>
+            <a:off x="152594" y="5225589"/>
+            <a:ext cx="1758783" cy="246221"/>
+          </a:xfrm>
+          <a:prstGeom prst="rect">
+            <a:avLst/>
+          </a:prstGeom>
+          <a:noFill/>
+        </p:spPr>
+        <p:txBody>
+          <a:bodyPr wrap="square" rtlCol="0">
+            <a:spAutoFit/>
+          </a:bodyPr>
+          <a:lstStyle/>
+          <a:p>
+            <a:pPr algn="ctr"/>
+            <a:r>
+              <a:rPr lang="en-GB" sz="1000" b="1" dirty="0"/>
+              <a:t>Slovakia</a:t>
+            </a:r>
+          </a:p>
+        </p:txBody>
+      </p:sp>
+      <p:sp>
+        <p:nvSpPr>
+          <p:cNvPr id="82" name="TextBox 48">
+            <a:extLst>
+              <a:ext uri="{FF2B5EF4-FFF2-40B4-BE49-F238E27FC236}">
+                <a16:creationId xmlns:a16="http://schemas.microsoft.com/office/drawing/2014/main" id="{A97A3AF6-CC41-4ED1-97F7-C29CBFFA7CA5}"/>
+              </a:ext>
+            </a:extLst>
+          </p:cNvPr>
+          <p:cNvSpPr txBox="1"/>
+          <p:nvPr/>
+        </p:nvSpPr>
+        <p:spPr>
+          <a:xfrm>
+            <a:off x="2107217" y="6426535"/>
+            <a:ext cx="1758783" cy="246221"/>
+          </a:xfrm>
+          <a:prstGeom prst="rect">
+            <a:avLst/>
+          </a:prstGeom>
+          <a:noFill/>
+        </p:spPr>
+        <p:txBody>
+          <a:bodyPr wrap="square" rtlCol="0">
+            <a:spAutoFit/>
+          </a:bodyPr>
+          <a:lstStyle/>
+          <a:p>
+            <a:pPr algn="ctr"/>
+            <a:r>
+              <a:rPr lang="en-GB" sz="1000" b="1" dirty="0"/>
+              <a:t>Romania</a:t>
+            </a:r>
+          </a:p>
+        </p:txBody>
+      </p:sp>
+      <p:sp>
+        <p:nvSpPr>
+          <p:cNvPr id="83" name="TextBox 49">
+            <a:extLst>
+              <a:ext uri="{FF2B5EF4-FFF2-40B4-BE49-F238E27FC236}">
+                <a16:creationId xmlns:a16="http://schemas.microsoft.com/office/drawing/2014/main" id="{D73647E4-5A4F-4AB4-9FB2-22BBAE45089C}"/>
+              </a:ext>
+            </a:extLst>
+          </p:cNvPr>
+          <p:cNvSpPr txBox="1"/>
+          <p:nvPr/>
+        </p:nvSpPr>
+        <p:spPr>
+          <a:xfrm>
+            <a:off x="934427" y="6892179"/>
+            <a:ext cx="1758783" cy="246221"/>
+          </a:xfrm>
+          <a:prstGeom prst="rect">
+            <a:avLst/>
+          </a:prstGeom>
+          <a:noFill/>
+        </p:spPr>
+        <p:txBody>
+          <a:bodyPr wrap="square" rtlCol="0">
+            <a:spAutoFit/>
+          </a:bodyPr>
+          <a:lstStyle/>
+          <a:p>
+            <a:pPr algn="ctr"/>
+            <a:r>
+              <a:rPr lang="en-GB" sz="1000" b="1" dirty="0"/>
+              <a:t>Serbia</a:t>
+            </a:r>
+          </a:p>
+        </p:txBody>
+      </p:sp>
+      <p:sp>
+        <p:nvSpPr>
+          <p:cNvPr id="84" name="TextBox 50">
+            <a:extLst>
+              <a:ext uri="{FF2B5EF4-FFF2-40B4-BE49-F238E27FC236}">
+                <a16:creationId xmlns:a16="http://schemas.microsoft.com/office/drawing/2014/main" id="{6CFAF374-0A7C-4EBD-BA26-4E84746F292B}"/>
+              </a:ext>
+            </a:extLst>
+          </p:cNvPr>
+          <p:cNvSpPr txBox="1"/>
+          <p:nvPr/>
+        </p:nvSpPr>
+        <p:spPr>
+          <a:xfrm>
+            <a:off x="-65539" y="6810470"/>
+            <a:ext cx="1758783" cy="400110"/>
+          </a:xfrm>
+          <a:prstGeom prst="rect">
+            <a:avLst/>
+          </a:prstGeom>
+          <a:noFill/>
+        </p:spPr>
+        <p:txBody>
+          <a:bodyPr wrap="square" rtlCol="0">
+            <a:spAutoFit/>
+          </a:bodyPr>
+          <a:lstStyle/>
+          <a:p>
+            <a:r>
+              <a:rPr lang="en-GB" sz="1000" b="1" dirty="0"/>
+              <a:t>Bosnia and</a:t>
+            </a:r>
+          </a:p>
+          <a:p>
+            <a:r>
+              <a:rPr lang="en-GB" sz="1000" b="1" dirty="0"/>
+              <a:t>Herzegovina</a:t>
+            </a:r>
+          </a:p>
+        </p:txBody>
+      </p:sp>
+      <p:sp>
+        <p:nvSpPr>
+          <p:cNvPr id="85" name="TextBox 51">
+            <a:extLst>
+              <a:ext uri="{FF2B5EF4-FFF2-40B4-BE49-F238E27FC236}">
+                <a16:creationId xmlns:a16="http://schemas.microsoft.com/office/drawing/2014/main" id="{16BD33FD-D682-4F05-9869-860794133DD8}"/>
+              </a:ext>
+            </a:extLst>
+          </p:cNvPr>
+          <p:cNvSpPr txBox="1"/>
+          <p:nvPr/>
+        </p:nvSpPr>
+        <p:spPr>
+          <a:xfrm>
+            <a:off x="941018" y="5745012"/>
+            <a:ext cx="1758783" cy="246221"/>
+          </a:xfrm>
+          <a:prstGeom prst="rect">
+            <a:avLst/>
+          </a:prstGeom>
+          <a:noFill/>
+        </p:spPr>
+        <p:txBody>
+          <a:bodyPr wrap="square" rtlCol="0">
+            <a:spAutoFit/>
+          </a:bodyPr>
+          <a:lstStyle/>
+          <a:p>
+            <a:pPr algn="ctr"/>
+            <a:r>
+              <a:rPr lang="en-GB" sz="1000" dirty="0"/>
+              <a:t>Budapest</a:t>
+            </a:r>
+          </a:p>
+        </p:txBody>
+      </p:sp>
+      <p:sp>
+        <p:nvSpPr>
+          <p:cNvPr id="86" name="TextBox 52">
+            <a:extLst>
+              <a:ext uri="{FF2B5EF4-FFF2-40B4-BE49-F238E27FC236}">
+                <a16:creationId xmlns:a16="http://schemas.microsoft.com/office/drawing/2014/main" id="{4557D1D9-89DC-471E-80DD-5C09DD4AFE4E}"/>
+              </a:ext>
+            </a:extLst>
+          </p:cNvPr>
+          <p:cNvSpPr txBox="1"/>
+          <p:nvPr/>
+        </p:nvSpPr>
+        <p:spPr>
+          <a:xfrm>
+            <a:off x="2332633" y="4965552"/>
+            <a:ext cx="1758783" cy="246221"/>
+          </a:xfrm>
+          <a:prstGeom prst="rect">
+            <a:avLst/>
+          </a:prstGeom>
+          <a:noFill/>
+        </p:spPr>
+        <p:txBody>
+          <a:bodyPr wrap="square" rtlCol="0">
+            <a:spAutoFit/>
+          </a:bodyPr>
+          <a:lstStyle/>
+          <a:p>
+            <a:pPr algn="ctr"/>
+            <a:r>
+              <a:rPr lang="en-GB" sz="1000" b="1" dirty="0"/>
+              <a:t>Ukraine</a:t>
+            </a:r>
+          </a:p>
+        </p:txBody>
+      </p:sp>
+      <p:sp>
+        <p:nvSpPr>
+          <p:cNvPr id="87" name="TextBox 53">
+            <a:extLst>
+              <a:ext uri="{FF2B5EF4-FFF2-40B4-BE49-F238E27FC236}">
+                <a16:creationId xmlns:a16="http://schemas.microsoft.com/office/drawing/2014/main" id="{9A5F2B17-950C-4AD5-9171-1692EF8863D2}"/>
+              </a:ext>
+            </a:extLst>
+          </p:cNvPr>
+          <p:cNvSpPr txBox="1"/>
+          <p:nvPr/>
+        </p:nvSpPr>
+        <p:spPr>
+          <a:xfrm rot="16200000">
+            <a:off x="-830068" y="6393537"/>
+            <a:ext cx="1758783" cy="246221"/>
+          </a:xfrm>
+          <a:prstGeom prst="rect">
+            <a:avLst/>
+          </a:prstGeom>
+          <a:noFill/>
+        </p:spPr>
+        <p:txBody>
+          <a:bodyPr wrap="square" rtlCol="0">
+            <a:spAutoFit/>
+          </a:bodyPr>
+          <a:lstStyle/>
+          <a:p>
+            <a:pPr algn="ctr"/>
+            <a:r>
+              <a:rPr lang="en-GB" sz="1000" b="1" dirty="0"/>
+              <a:t>Slovenia</a:t>
+            </a:r>
+          </a:p>
+        </p:txBody>
+      </p:sp>
+      <p:sp>
+        <p:nvSpPr>
+          <p:cNvPr id="88" name="TextBox 54">
+            <a:extLst>
+              <a:ext uri="{FF2B5EF4-FFF2-40B4-BE49-F238E27FC236}">
+                <a16:creationId xmlns:a16="http://schemas.microsoft.com/office/drawing/2014/main" id="{1B1AE096-6104-4C60-B095-B7E8BE057082}"/>
+              </a:ext>
+            </a:extLst>
+          </p:cNvPr>
+          <p:cNvSpPr txBox="1"/>
+          <p:nvPr/>
+        </p:nvSpPr>
+        <p:spPr>
+          <a:xfrm rot="16200000">
+            <a:off x="-804085" y="5745011"/>
+            <a:ext cx="1758783" cy="246221"/>
+          </a:xfrm>
+          <a:prstGeom prst="rect">
+            <a:avLst/>
+          </a:prstGeom>
+          <a:noFill/>
+        </p:spPr>
+        <p:txBody>
+          <a:bodyPr wrap="square" rtlCol="0">
+            <a:spAutoFit/>
+          </a:bodyPr>
+          <a:lstStyle/>
+          <a:p>
+            <a:pPr algn="ctr"/>
+            <a:r>
+              <a:rPr lang="en-GB" sz="1000" b="1" dirty="0"/>
+              <a:t>Austria</a:t>
+            </a:r>
+          </a:p>
+        </p:txBody>
+      </p:sp>
+      <p:sp>
+        <p:nvSpPr>
+          <p:cNvPr id="89" name="TextBox 55">
+            <a:extLst>
+              <a:ext uri="{FF2B5EF4-FFF2-40B4-BE49-F238E27FC236}">
+                <a16:creationId xmlns:a16="http://schemas.microsoft.com/office/drawing/2014/main" id="{73A111E9-D475-4ADC-9755-986276F68B2B}"/>
+              </a:ext>
+            </a:extLst>
+          </p:cNvPr>
+          <p:cNvSpPr txBox="1"/>
+          <p:nvPr/>
+        </p:nvSpPr>
+        <p:spPr>
+          <a:xfrm>
+            <a:off x="258318" y="1654833"/>
+            <a:ext cx="1758783" cy="246221"/>
+          </a:xfrm>
+          <a:prstGeom prst="rect">
+            <a:avLst/>
+          </a:prstGeom>
+          <a:noFill/>
+        </p:spPr>
+        <p:txBody>
+          <a:bodyPr wrap="square" rtlCol="0">
+            <a:spAutoFit/>
+          </a:bodyPr>
+          <a:lstStyle/>
+          <a:p>
+            <a:pPr algn="ctr"/>
+            <a:r>
+              <a:rPr lang="en-GB" sz="1000" b="1" dirty="0"/>
+              <a:t>Nicaragua</a:t>
+            </a:r>
+          </a:p>
+        </p:txBody>
+      </p:sp>
+      <p:sp>
+        <p:nvSpPr>
+          <p:cNvPr id="90" name="TextBox 56">
+            <a:extLst>
+              <a:ext uri="{FF2B5EF4-FFF2-40B4-BE49-F238E27FC236}">
+                <a16:creationId xmlns:a16="http://schemas.microsoft.com/office/drawing/2014/main" id="{591054FD-1806-45F4-BF78-FACE5D277788}"/>
+              </a:ext>
+            </a:extLst>
+          </p:cNvPr>
+          <p:cNvSpPr txBox="1"/>
+          <p:nvPr/>
+        </p:nvSpPr>
+        <p:spPr>
+          <a:xfrm rot="16200000">
+            <a:off x="2268805" y="4156023"/>
+            <a:ext cx="1758783" cy="246221"/>
+          </a:xfrm>
+          <a:prstGeom prst="rect">
+            <a:avLst/>
+          </a:prstGeom>
+          <a:noFill/>
+        </p:spPr>
+        <p:txBody>
+          <a:bodyPr wrap="square" rtlCol="0">
+            <a:spAutoFit/>
+          </a:bodyPr>
+          <a:lstStyle/>
+          <a:p>
+            <a:pPr algn="ctr"/>
+            <a:r>
+              <a:rPr lang="en-GB" sz="1000" b="1" dirty="0"/>
+              <a:t>Panama</a:t>
+            </a:r>
+          </a:p>
+        </p:txBody>
+      </p:sp>
+      <p:sp>
+        <p:nvSpPr>
+          <p:cNvPr id="91" name="TextBox 66">
+            <a:extLst>
+              <a:ext uri="{FF2B5EF4-FFF2-40B4-BE49-F238E27FC236}">
+                <a16:creationId xmlns:a16="http://schemas.microsoft.com/office/drawing/2014/main" id="{06347008-D2E1-4153-BBE0-48FED8C5D5B1}"/>
+              </a:ext>
+            </a:extLst>
+          </p:cNvPr>
+          <p:cNvSpPr txBox="1"/>
+          <p:nvPr/>
+        </p:nvSpPr>
+        <p:spPr>
+          <a:xfrm>
+            <a:off x="-103819" y="6066479"/>
+            <a:ext cx="3467279" cy="307777"/>
+          </a:xfrm>
+          <a:prstGeom prst="rect">
+            <a:avLst/>
+          </a:prstGeom>
+          <a:noFill/>
+        </p:spPr>
+        <p:txBody>
+          <a:bodyPr wrap="square" rtlCol="0">
+            <a:spAutoFit/>
+          </a:bodyPr>
+          <a:lstStyle/>
+          <a:p>
+            <a:pPr algn="ctr"/>
+            <a:r>
+              <a:rPr lang="en-GB" sz="1400" b="1" dirty="0"/>
+              <a:t>Hungary</a:t>
+            </a:r>
+          </a:p>
+        </p:txBody>
+      </p:sp>
+      <p:sp>
+        <p:nvSpPr>
+          <p:cNvPr id="92" name="TextBox 67">
+            <a:extLst>
+              <a:ext uri="{FF2B5EF4-FFF2-40B4-BE49-F238E27FC236}">
+                <a16:creationId xmlns:a16="http://schemas.microsoft.com/office/drawing/2014/main" id="{700F898D-4C11-4926-BB28-B8DA6ED3E63A}"/>
+              </a:ext>
+            </a:extLst>
+          </p:cNvPr>
+          <p:cNvSpPr txBox="1"/>
+          <p:nvPr/>
+        </p:nvSpPr>
+        <p:spPr>
+          <a:xfrm>
+            <a:off x="75306" y="2182566"/>
+            <a:ext cx="3467279" cy="307777"/>
+          </a:xfrm>
+          <a:prstGeom prst="rect">
+            <a:avLst/>
+          </a:prstGeom>
+          <a:noFill/>
+        </p:spPr>
+        <p:txBody>
+          <a:bodyPr wrap="square" rtlCol="0">
+            <a:spAutoFit/>
+          </a:bodyPr>
+          <a:lstStyle/>
+          <a:p>
+            <a:pPr algn="ctr"/>
+            <a:r>
+              <a:rPr lang="en-GB" sz="1400" b="1" dirty="0"/>
+              <a:t>Costa Rica</a:t>
+            </a:r>
+          </a:p>
+        </p:txBody>
+      </p:sp>
+      <p:sp>
+        <p:nvSpPr>
+          <p:cNvPr id="93" name="TextBox 68">
+            <a:extLst>
+              <a:ext uri="{FF2B5EF4-FFF2-40B4-BE49-F238E27FC236}">
+                <a16:creationId xmlns:a16="http://schemas.microsoft.com/office/drawing/2014/main" id="{17DF728F-573A-4EBB-97A6-50BA25CCE4CC}"/>
+              </a:ext>
+            </a:extLst>
+          </p:cNvPr>
+          <p:cNvSpPr txBox="1"/>
+          <p:nvPr/>
+        </p:nvSpPr>
+        <p:spPr>
+          <a:xfrm>
+            <a:off x="1170316" y="2822109"/>
+            <a:ext cx="846785" cy="246221"/>
+          </a:xfrm>
+          <a:prstGeom prst="rect">
+            <a:avLst/>
+          </a:prstGeom>
+          <a:noFill/>
+        </p:spPr>
+        <p:txBody>
+          <a:bodyPr wrap="square" rtlCol="0">
+            <a:spAutoFit/>
+          </a:bodyPr>
+          <a:lstStyle/>
+          <a:p>
+            <a:pPr algn="ctr"/>
+            <a:r>
+              <a:rPr lang="en-GB" sz="1000" dirty="0"/>
+              <a:t>San Jos</a:t>
+            </a:r>
+            <a:r>
+              <a:rPr lang="es-ES" sz="1000" dirty="0"/>
+              <a:t>é</a:t>
+            </a:r>
+            <a:endParaRPr lang="en-GB" sz="1000" dirty="0"/>
+          </a:p>
+        </p:txBody>
+      </p:sp>
       <p:pic>
         <p:nvPicPr>
-          <p:cNvPr id="46" name="Picture 45" descr="A close up of a mans face&#10;&#10;Description automatically generated">
+          <p:cNvPr id="94" name="Immagine 93" descr="Immagine che contiene testo&#10;&#10;Descrizione generata automaticamente">
             <a:extLst>
               <a:ext uri="{FF2B5EF4-FFF2-40B4-BE49-F238E27FC236}">
-                <a16:creationId xmlns:a16="http://schemas.microsoft.com/office/drawing/2014/main" id="{18B40F32-2D1F-4FA0-AC23-4CF4C74BF392}"/>
+                <a16:creationId xmlns:a16="http://schemas.microsoft.com/office/drawing/2014/main" id="{14EA62ED-9ED9-482B-822F-A785D17C0FFB}"/>
               </a:ext>
             </a:extLst>
           </p:cNvPr>
@@ -5542,53 +6650,13 @@
               </a:ext>
             </a:extLst>
           </a:blip>
-          <a:srcRect l="13188" t="30561" r="39428"/>
+          <a:srcRect l="10274" t="51667" r="49971" b="19957"/>
           <a:stretch/>
         </p:blipFill>
         <p:spPr>
           <a:xfrm>
-            <a:off x="509965" y="2226156"/>
-            <a:ext cx="1613044" cy="1273206"/>
-          </a:xfrm>
-          <a:prstGeom prst="rect">
-            <a:avLst/>
-          </a:prstGeom>
-          <a:ln>
-            <a:solidFill>
-              <a:schemeClr val="tx1"/>
-            </a:solidFill>
-          </a:ln>
-        </p:spPr>
-      </p:pic>
-      <p:pic>
-        <p:nvPicPr>
-          <p:cNvPr id="47" name="Picture 46" descr="A picture containing person&#10;&#10;Description automatically generated">
-            <a:extLst>
-              <a:ext uri="{FF2B5EF4-FFF2-40B4-BE49-F238E27FC236}">
-                <a16:creationId xmlns:a16="http://schemas.microsoft.com/office/drawing/2014/main" id="{7CAEC9C7-A571-4E5A-81B9-F29596023AEC}"/>
-              </a:ext>
-            </a:extLst>
-          </p:cNvPr>
-          <p:cNvPicPr>
-            <a:picLocks noChangeAspect="1"/>
-          </p:cNvPicPr>
-          <p:nvPr/>
-        </p:nvPicPr>
-        <p:blipFill rotWithShape="1">
-          <a:blip r:embed="rId6">
-            <a:extLst>
-              <a:ext uri="{28A0092B-C50C-407E-A947-70E740481C1C}">
-                <a14:useLocalDpi xmlns:a14="http://schemas.microsoft.com/office/drawing/2010/main" val="0"/>
-              </a:ext>
-            </a:extLst>
-          </a:blip>
-          <a:srcRect l="28123" t="30561" r="39583"/>
-          <a:stretch/>
-        </p:blipFill>
-        <p:spPr>
-          <a:xfrm>
-            <a:off x="1018350" y="2226156"/>
-            <a:ext cx="1099356" cy="1273206"/>
+            <a:off x="2102" y="8717"/>
+            <a:ext cx="3417373" cy="1598400"/>
           </a:xfrm>
           <a:prstGeom prst="rect">
             <a:avLst/>
@@ -5597,454 +6665,10 @@
       </p:pic>
       <p:sp>
         <p:nvSpPr>
-          <p:cNvPr id="48" name="TextBox 47">
+          <p:cNvPr id="95" name="Rectangle 63">
             <a:extLst>
               <a:ext uri="{FF2B5EF4-FFF2-40B4-BE49-F238E27FC236}">
-                <a16:creationId xmlns:a16="http://schemas.microsoft.com/office/drawing/2014/main" id="{3283872D-A1EB-45F0-98C7-56895CE8F895}"/>
-              </a:ext>
-            </a:extLst>
-          </p:cNvPr>
-          <p:cNvSpPr txBox="1"/>
-          <p:nvPr/>
-        </p:nvSpPr>
-        <p:spPr>
-          <a:xfrm>
-            <a:off x="152594" y="3576105"/>
-            <a:ext cx="1758783" cy="246221"/>
-          </a:xfrm>
-          <a:prstGeom prst="rect">
-            <a:avLst/>
-          </a:prstGeom>
-          <a:noFill/>
-        </p:spPr>
-        <p:txBody>
-          <a:bodyPr wrap="square" rtlCol="0">
-            <a:spAutoFit/>
-          </a:bodyPr>
-          <a:lstStyle/>
-          <a:p>
-            <a:pPr algn="ctr"/>
-            <a:r>
-              <a:rPr lang="en-GB" sz="1000" b="1" dirty="0"/>
-              <a:t>Slovakia</a:t>
-            </a:r>
-          </a:p>
-        </p:txBody>
-      </p:sp>
-      <p:sp>
-        <p:nvSpPr>
-          <p:cNvPr id="49" name="TextBox 48">
-            <a:extLst>
-              <a:ext uri="{FF2B5EF4-FFF2-40B4-BE49-F238E27FC236}">
-                <a16:creationId xmlns:a16="http://schemas.microsoft.com/office/drawing/2014/main" id="{59AF1A3A-3741-4A55-A143-3C2D3D864A3D}"/>
-              </a:ext>
-            </a:extLst>
-          </p:cNvPr>
-          <p:cNvSpPr txBox="1"/>
-          <p:nvPr/>
-        </p:nvSpPr>
-        <p:spPr>
-          <a:xfrm>
-            <a:off x="2107217" y="4748346"/>
-            <a:ext cx="1758783" cy="246221"/>
-          </a:xfrm>
-          <a:prstGeom prst="rect">
-            <a:avLst/>
-          </a:prstGeom>
-          <a:noFill/>
-        </p:spPr>
-        <p:txBody>
-          <a:bodyPr wrap="square" rtlCol="0">
-            <a:spAutoFit/>
-          </a:bodyPr>
-          <a:lstStyle/>
-          <a:p>
-            <a:pPr algn="ctr"/>
-            <a:r>
-              <a:rPr lang="en-GB" sz="1000" b="1" dirty="0"/>
-              <a:t>Romania</a:t>
-            </a:r>
-          </a:p>
-        </p:txBody>
-      </p:sp>
-      <p:sp>
-        <p:nvSpPr>
-          <p:cNvPr id="50" name="TextBox 49">
-            <a:extLst>
-              <a:ext uri="{FF2B5EF4-FFF2-40B4-BE49-F238E27FC236}">
-                <a16:creationId xmlns:a16="http://schemas.microsoft.com/office/drawing/2014/main" id="{932F6E7F-0087-4E7F-8FD5-3B0E7291BF55}"/>
-              </a:ext>
-            </a:extLst>
-          </p:cNvPr>
-          <p:cNvSpPr txBox="1"/>
-          <p:nvPr/>
-        </p:nvSpPr>
-        <p:spPr>
-          <a:xfrm>
-            <a:off x="934427" y="5242695"/>
-            <a:ext cx="1758783" cy="246221"/>
-          </a:xfrm>
-          <a:prstGeom prst="rect">
-            <a:avLst/>
-          </a:prstGeom>
-          <a:noFill/>
-        </p:spPr>
-        <p:txBody>
-          <a:bodyPr wrap="square" rtlCol="0">
-            <a:spAutoFit/>
-          </a:bodyPr>
-          <a:lstStyle/>
-          <a:p>
-            <a:pPr algn="ctr"/>
-            <a:r>
-              <a:rPr lang="en-GB" sz="1000" b="1" dirty="0"/>
-              <a:t>Serbia</a:t>
-            </a:r>
-          </a:p>
-        </p:txBody>
-      </p:sp>
-      <p:sp>
-        <p:nvSpPr>
-          <p:cNvPr id="51" name="TextBox 50">
-            <a:extLst>
-              <a:ext uri="{FF2B5EF4-FFF2-40B4-BE49-F238E27FC236}">
-                <a16:creationId xmlns:a16="http://schemas.microsoft.com/office/drawing/2014/main" id="{8FD8B4AE-310A-4E9D-BF59-3C66B88927F2}"/>
-              </a:ext>
-            </a:extLst>
-          </p:cNvPr>
-          <p:cNvSpPr txBox="1"/>
-          <p:nvPr/>
-        </p:nvSpPr>
-        <p:spPr>
-          <a:xfrm>
-            <a:off x="-65539" y="5160986"/>
-            <a:ext cx="1758783" cy="400110"/>
-          </a:xfrm>
-          <a:prstGeom prst="rect">
-            <a:avLst/>
-          </a:prstGeom>
-          <a:noFill/>
-        </p:spPr>
-        <p:txBody>
-          <a:bodyPr wrap="square" rtlCol="0">
-            <a:spAutoFit/>
-          </a:bodyPr>
-          <a:lstStyle/>
-          <a:p>
-            <a:r>
-              <a:rPr lang="en-GB" sz="1000" b="1" dirty="0"/>
-              <a:t>Bosnia and</a:t>
-            </a:r>
-          </a:p>
-          <a:p>
-            <a:r>
-              <a:rPr lang="en-GB" sz="1000" b="1" dirty="0"/>
-              <a:t>Herzegovina</a:t>
-            </a:r>
-          </a:p>
-        </p:txBody>
-      </p:sp>
-      <p:sp>
-        <p:nvSpPr>
-          <p:cNvPr id="52" name="TextBox 51">
-            <a:extLst>
-              <a:ext uri="{FF2B5EF4-FFF2-40B4-BE49-F238E27FC236}">
-                <a16:creationId xmlns:a16="http://schemas.microsoft.com/office/drawing/2014/main" id="{E4EB93F9-BE8E-46C4-AAA1-3D0CE831E423}"/>
-              </a:ext>
-            </a:extLst>
-          </p:cNvPr>
-          <p:cNvSpPr txBox="1"/>
-          <p:nvPr/>
-        </p:nvSpPr>
-        <p:spPr>
-          <a:xfrm>
-            <a:off x="941018" y="4095528"/>
-            <a:ext cx="1758783" cy="246221"/>
-          </a:xfrm>
-          <a:prstGeom prst="rect">
-            <a:avLst/>
-          </a:prstGeom>
-          <a:noFill/>
-        </p:spPr>
-        <p:txBody>
-          <a:bodyPr wrap="square" rtlCol="0">
-            <a:spAutoFit/>
-          </a:bodyPr>
-          <a:lstStyle/>
-          <a:p>
-            <a:pPr algn="ctr"/>
-            <a:r>
-              <a:rPr lang="en-GB" sz="1000" dirty="0"/>
-              <a:t>Budapest</a:t>
-            </a:r>
-          </a:p>
-        </p:txBody>
-      </p:sp>
-      <p:sp>
-        <p:nvSpPr>
-          <p:cNvPr id="53" name="TextBox 52">
-            <a:extLst>
-              <a:ext uri="{FF2B5EF4-FFF2-40B4-BE49-F238E27FC236}">
-                <a16:creationId xmlns:a16="http://schemas.microsoft.com/office/drawing/2014/main" id="{669B7DF9-B3AF-4EAA-B2B1-A1483D04547C}"/>
-              </a:ext>
-            </a:extLst>
-          </p:cNvPr>
-          <p:cNvSpPr txBox="1"/>
-          <p:nvPr/>
-        </p:nvSpPr>
-        <p:spPr>
-          <a:xfrm>
-            <a:off x="2332633" y="3287363"/>
-            <a:ext cx="1758783" cy="246221"/>
-          </a:xfrm>
-          <a:prstGeom prst="rect">
-            <a:avLst/>
-          </a:prstGeom>
-          <a:noFill/>
-        </p:spPr>
-        <p:txBody>
-          <a:bodyPr wrap="square" rtlCol="0">
-            <a:spAutoFit/>
-          </a:bodyPr>
-          <a:lstStyle/>
-          <a:p>
-            <a:pPr algn="ctr"/>
-            <a:r>
-              <a:rPr lang="en-GB" sz="1000" b="1" dirty="0"/>
-              <a:t>Ukraine</a:t>
-            </a:r>
-          </a:p>
-        </p:txBody>
-      </p:sp>
-      <p:sp>
-        <p:nvSpPr>
-          <p:cNvPr id="54" name="TextBox 53">
-            <a:extLst>
-              <a:ext uri="{FF2B5EF4-FFF2-40B4-BE49-F238E27FC236}">
-                <a16:creationId xmlns:a16="http://schemas.microsoft.com/office/drawing/2014/main" id="{F1B465C5-37DF-4AF6-AC98-FD6149C7F283}"/>
-              </a:ext>
-            </a:extLst>
-          </p:cNvPr>
-          <p:cNvSpPr txBox="1"/>
-          <p:nvPr/>
-        </p:nvSpPr>
-        <p:spPr>
-          <a:xfrm rot="16200000">
-            <a:off x="-830068" y="4697580"/>
-            <a:ext cx="1758783" cy="246221"/>
-          </a:xfrm>
-          <a:prstGeom prst="rect">
-            <a:avLst/>
-          </a:prstGeom>
-          <a:noFill/>
-        </p:spPr>
-        <p:txBody>
-          <a:bodyPr wrap="square" rtlCol="0">
-            <a:spAutoFit/>
-          </a:bodyPr>
-          <a:lstStyle/>
-          <a:p>
-            <a:pPr algn="ctr"/>
-            <a:r>
-              <a:rPr lang="en-GB" sz="1000" b="1" dirty="0"/>
-              <a:t>Slovenia</a:t>
-            </a:r>
-          </a:p>
-        </p:txBody>
-      </p:sp>
-      <p:sp>
-        <p:nvSpPr>
-          <p:cNvPr id="55" name="TextBox 54">
-            <a:extLst>
-              <a:ext uri="{FF2B5EF4-FFF2-40B4-BE49-F238E27FC236}">
-                <a16:creationId xmlns:a16="http://schemas.microsoft.com/office/drawing/2014/main" id="{AE9807B1-0B06-4B12-9AEE-EBC68A762DB8}"/>
-              </a:ext>
-            </a:extLst>
-          </p:cNvPr>
-          <p:cNvSpPr txBox="1"/>
-          <p:nvPr/>
-        </p:nvSpPr>
-        <p:spPr>
-          <a:xfrm rot="16200000">
-            <a:off x="-804085" y="4095527"/>
-            <a:ext cx="1758783" cy="246221"/>
-          </a:xfrm>
-          <a:prstGeom prst="rect">
-            <a:avLst/>
-          </a:prstGeom>
-          <a:noFill/>
-        </p:spPr>
-        <p:txBody>
-          <a:bodyPr wrap="square" rtlCol="0">
-            <a:spAutoFit/>
-          </a:bodyPr>
-          <a:lstStyle/>
-          <a:p>
-            <a:pPr algn="ctr"/>
-            <a:r>
-              <a:rPr lang="en-GB" sz="1000" b="1" dirty="0"/>
-              <a:t>Austria</a:t>
-            </a:r>
-          </a:p>
-        </p:txBody>
-      </p:sp>
-      <p:sp>
-        <p:nvSpPr>
-          <p:cNvPr id="56" name="TextBox 55">
-            <a:extLst>
-              <a:ext uri="{FF2B5EF4-FFF2-40B4-BE49-F238E27FC236}">
-                <a16:creationId xmlns:a16="http://schemas.microsoft.com/office/drawing/2014/main" id="{049ADF95-5ED9-463B-BD74-D3C78E6E83EF}"/>
-              </a:ext>
-            </a:extLst>
-          </p:cNvPr>
-          <p:cNvSpPr txBox="1"/>
-          <p:nvPr/>
-        </p:nvSpPr>
-        <p:spPr>
-          <a:xfrm>
-            <a:off x="258318" y="-23356"/>
-            <a:ext cx="1758783" cy="246221"/>
-          </a:xfrm>
-          <a:prstGeom prst="rect">
-            <a:avLst/>
-          </a:prstGeom>
-          <a:noFill/>
-        </p:spPr>
-        <p:txBody>
-          <a:bodyPr wrap="square" rtlCol="0">
-            <a:spAutoFit/>
-          </a:bodyPr>
-          <a:lstStyle/>
-          <a:p>
-            <a:pPr algn="ctr"/>
-            <a:r>
-              <a:rPr lang="en-GB" sz="1000" b="1" dirty="0"/>
-              <a:t>Nicaragua</a:t>
-            </a:r>
-          </a:p>
-        </p:txBody>
-      </p:sp>
-      <p:sp>
-        <p:nvSpPr>
-          <p:cNvPr id="57" name="TextBox 56">
-            <a:extLst>
-              <a:ext uri="{FF2B5EF4-FFF2-40B4-BE49-F238E27FC236}">
-                <a16:creationId xmlns:a16="http://schemas.microsoft.com/office/drawing/2014/main" id="{4CA17F19-F517-4E9C-BACF-BBD83F6A501F}"/>
-              </a:ext>
-            </a:extLst>
-          </p:cNvPr>
-          <p:cNvSpPr txBox="1"/>
-          <p:nvPr/>
-        </p:nvSpPr>
-        <p:spPr>
-          <a:xfrm rot="16200000">
-            <a:off x="2268805" y="2477834"/>
-            <a:ext cx="1758783" cy="246221"/>
-          </a:xfrm>
-          <a:prstGeom prst="rect">
-            <a:avLst/>
-          </a:prstGeom>
-          <a:noFill/>
-        </p:spPr>
-        <p:txBody>
-          <a:bodyPr wrap="square" rtlCol="0">
-            <a:spAutoFit/>
-          </a:bodyPr>
-          <a:lstStyle/>
-          <a:p>
-            <a:pPr algn="ctr"/>
-            <a:r>
-              <a:rPr lang="en-GB" sz="1000" b="1" dirty="0"/>
-              <a:t>Panama</a:t>
-            </a:r>
-          </a:p>
-        </p:txBody>
-      </p:sp>
-      <p:sp>
-        <p:nvSpPr>
-          <p:cNvPr id="58" name="TextBox 57">
-            <a:extLst>
-              <a:ext uri="{FF2B5EF4-FFF2-40B4-BE49-F238E27FC236}">
-                <a16:creationId xmlns:a16="http://schemas.microsoft.com/office/drawing/2014/main" id="{80920BAE-25F2-46F1-8416-EE67BAB50269}"/>
-              </a:ext>
-            </a:extLst>
-          </p:cNvPr>
-          <p:cNvSpPr txBox="1"/>
-          <p:nvPr/>
-        </p:nvSpPr>
-        <p:spPr>
-          <a:xfrm>
-            <a:off x="440822" y="2160811"/>
-            <a:ext cx="1614091" cy="276999"/>
-          </a:xfrm>
-          <a:prstGeom prst="rect">
-            <a:avLst/>
-          </a:prstGeom>
-          <a:noFill/>
-        </p:spPr>
-        <p:txBody>
-          <a:bodyPr wrap="square" rtlCol="0">
-            <a:spAutoFit/>
-          </a:bodyPr>
-          <a:lstStyle/>
-          <a:p>
-            <a:r>
-              <a:rPr lang="en-GB" sz="1200" b="1" dirty="0">
-                <a:solidFill>
-                  <a:srgbClr val="0070C0"/>
-                </a:solidFill>
-              </a:rPr>
-              <a:t>Extra-Tropics</a:t>
-            </a:r>
-          </a:p>
-        </p:txBody>
-      </p:sp>
-      <p:sp>
-        <p:nvSpPr>
-          <p:cNvPr id="59" name="TextBox 58">
-            <a:extLst>
-              <a:ext uri="{FF2B5EF4-FFF2-40B4-BE49-F238E27FC236}">
-                <a16:creationId xmlns:a16="http://schemas.microsoft.com/office/drawing/2014/main" id="{C9D96B0A-0E32-414A-829D-031BA3EC2685}"/>
-              </a:ext>
-            </a:extLst>
-          </p:cNvPr>
-          <p:cNvSpPr txBox="1"/>
-          <p:nvPr/>
-        </p:nvSpPr>
-        <p:spPr>
-          <a:xfrm>
-            <a:off x="814870" y="2783464"/>
-            <a:ext cx="1301769" cy="276999"/>
-          </a:xfrm>
-          <a:prstGeom prst="rect">
-            <a:avLst/>
-          </a:prstGeom>
-          <a:noFill/>
-        </p:spPr>
-        <p:txBody>
-          <a:bodyPr wrap="square" rtlCol="0">
-            <a:spAutoFit/>
-          </a:bodyPr>
-          <a:lstStyle/>
-          <a:p>
-            <a:pPr algn="r"/>
-            <a:r>
-              <a:rPr lang="en-GB" sz="1200" b="1" dirty="0">
-                <a:solidFill>
-                  <a:srgbClr val="0070C0"/>
-                </a:solidFill>
-              </a:rPr>
-              <a:t>Tropics</a:t>
-            </a:r>
-          </a:p>
-        </p:txBody>
-      </p:sp>
-      <p:sp>
-        <p:nvSpPr>
-          <p:cNvPr id="60" name="Rectangle 59">
-            <a:extLst>
-              <a:ext uri="{FF2B5EF4-FFF2-40B4-BE49-F238E27FC236}">
-                <a16:creationId xmlns:a16="http://schemas.microsoft.com/office/drawing/2014/main" id="{82C8B59C-9682-492E-86DB-EB9F97C86863}"/>
+                <a16:creationId xmlns:a16="http://schemas.microsoft.com/office/drawing/2014/main" id="{545D8F0C-C086-4D53-A826-7FD8BA7F6641}"/>
               </a:ext>
             </a:extLst>
           </p:cNvPr>
@@ -6052,18 +6676,23 @@
           <p:nvPr/>
         </p:nvSpPr>
         <p:spPr>
-          <a:xfrm>
-            <a:off x="508918" y="2768277"/>
-            <a:ext cx="265889" cy="247763"/>
+          <a:xfrm flipV="1">
+            <a:off x="0" y="715972"/>
+            <a:ext cx="3419475" cy="888489"/>
           </a:xfrm>
           <a:prstGeom prst="rect">
             <a:avLst/>
           </a:prstGeom>
           <a:solidFill>
-            <a:srgbClr val="FFFFFF"/>
+            <a:schemeClr val="bg2">
+              <a:lumMod val="90000"/>
+              <a:alpha val="25000"/>
+            </a:schemeClr>
           </a:solidFill>
-          <a:ln>
-            <a:noFill/>
+          <a:ln w="3175">
+            <a:solidFill>
+              <a:schemeClr val="tx1"/>
+            </a:solidFill>
           </a:ln>
         </p:spPr>
         <p:style>
@@ -6087,68 +6716,16 @@
           <a:lstStyle/>
           <a:p>
             <a:pPr algn="ctr"/>
-            <a:endParaRPr lang="en-GB"/>
-          </a:p>
-        </p:txBody>
-      </p:sp>
-      <p:sp>
-        <p:nvSpPr>
-          <p:cNvPr id="61" name="Rectangle 60">
+            <a:endParaRPr lang="en-GB" dirty="0"/>
+          </a:p>
+        </p:txBody>
+      </p:sp>
+      <p:sp>
+        <p:nvSpPr>
+          <p:cNvPr id="96" name="TextBox 58">
             <a:extLst>
               <a:ext uri="{FF2B5EF4-FFF2-40B4-BE49-F238E27FC236}">
-                <a16:creationId xmlns:a16="http://schemas.microsoft.com/office/drawing/2014/main" id="{2CC606BD-DA2D-4849-8B39-38EE6DDEF022}"/>
-              </a:ext>
-            </a:extLst>
-          </p:cNvPr>
-          <p:cNvSpPr/>
-          <p:nvPr/>
-        </p:nvSpPr>
-        <p:spPr>
-          <a:xfrm>
-            <a:off x="1020564" y="2464258"/>
-            <a:ext cx="511668" cy="176688"/>
-          </a:xfrm>
-          <a:prstGeom prst="rect">
-            <a:avLst/>
-          </a:prstGeom>
-          <a:solidFill>
-            <a:srgbClr val="FFFFFF"/>
-          </a:solidFill>
-          <a:ln>
-            <a:noFill/>
-          </a:ln>
-        </p:spPr>
-        <p:style>
-          <a:lnRef idx="2">
-            <a:schemeClr val="accent1">
-              <a:shade val="50000"/>
-            </a:schemeClr>
-          </a:lnRef>
-          <a:fillRef idx="1">
-            <a:schemeClr val="accent1"/>
-          </a:fillRef>
-          <a:effectRef idx="0">
-            <a:schemeClr val="accent1"/>
-          </a:effectRef>
-          <a:fontRef idx="minor">
-            <a:schemeClr val="lt1"/>
-          </a:fontRef>
-        </p:style>
-        <p:txBody>
-          <a:bodyPr rtlCol="0" anchor="ctr"/>
-          <a:lstStyle/>
-          <a:p>
-            <a:pPr algn="ctr"/>
-            <a:endParaRPr lang="en-GB"/>
-          </a:p>
-        </p:txBody>
-      </p:sp>
-      <p:sp>
-        <p:nvSpPr>
-          <p:cNvPr id="62" name="TextBox 61">
-            <a:extLst>
-              <a:ext uri="{FF2B5EF4-FFF2-40B4-BE49-F238E27FC236}">
-                <a16:creationId xmlns:a16="http://schemas.microsoft.com/office/drawing/2014/main" id="{D617F410-DCEE-483A-840D-5B6A2CDD2722}"/>
+                <a16:creationId xmlns:a16="http://schemas.microsoft.com/office/drawing/2014/main" id="{9A71FD03-9A5A-4F3F-BEFE-A84C89E20DD5}"/>
               </a:ext>
             </a:extLst>
           </p:cNvPr>
@@ -6157,8 +6734,8 @@
         </p:nvSpPr>
         <p:spPr>
           <a:xfrm>
-            <a:off x="421608" y="2821219"/>
-            <a:ext cx="638023" cy="246221"/>
+            <a:off x="1035898" y="663618"/>
+            <a:ext cx="1019015" cy="276999"/>
           </a:xfrm>
           <a:prstGeom prst="rect">
             <a:avLst/>
@@ -6173,6 +6750,86 @@
           <a:p>
             <a:pPr algn="ctr"/>
             <a:r>
+              <a:rPr lang="en-GB" sz="1200" b="1" dirty="0">
+                <a:solidFill>
+                  <a:srgbClr val="0070C0"/>
+                </a:solidFill>
+              </a:rPr>
+              <a:t>Tropics</a:t>
+            </a:r>
+          </a:p>
+        </p:txBody>
+      </p:sp>
+      <p:sp>
+        <p:nvSpPr>
+          <p:cNvPr id="97" name="TextBox 65">
+            <a:extLst>
+              <a:ext uri="{FF2B5EF4-FFF2-40B4-BE49-F238E27FC236}">
+                <a16:creationId xmlns:a16="http://schemas.microsoft.com/office/drawing/2014/main" id="{5BF92373-E0B1-44B5-BF07-BAE59005472F}"/>
+              </a:ext>
+            </a:extLst>
+          </p:cNvPr>
+          <p:cNvSpPr txBox="1"/>
+          <p:nvPr/>
+        </p:nvSpPr>
+        <p:spPr>
+          <a:xfrm>
+            <a:off x="1035898" y="466395"/>
+            <a:ext cx="1019015" cy="276999"/>
+          </a:xfrm>
+          <a:prstGeom prst="rect">
+            <a:avLst/>
+          </a:prstGeom>
+          <a:noFill/>
+        </p:spPr>
+        <p:txBody>
+          <a:bodyPr wrap="square" rtlCol="0">
+            <a:spAutoFit/>
+          </a:bodyPr>
+          <a:lstStyle/>
+          <a:p>
+            <a:pPr algn="ctr"/>
+            <a:r>
+              <a:rPr lang="en-GB" sz="1200" b="1" dirty="0">
+                <a:solidFill>
+                  <a:srgbClr val="0070C0"/>
+                </a:solidFill>
+              </a:rPr>
+              <a:t>Extra-Tropics</a:t>
+            </a:r>
+          </a:p>
+        </p:txBody>
+      </p:sp>
+      <p:sp>
+        <p:nvSpPr>
+          <p:cNvPr id="98" name="TextBox 64">
+            <a:extLst>
+              <a:ext uri="{FF2B5EF4-FFF2-40B4-BE49-F238E27FC236}">
+                <a16:creationId xmlns:a16="http://schemas.microsoft.com/office/drawing/2014/main" id="{01D1D566-ED6E-4417-8AE0-87D9950D0EDE}"/>
+              </a:ext>
+            </a:extLst>
+          </p:cNvPr>
+          <p:cNvSpPr txBox="1"/>
+          <p:nvPr/>
+        </p:nvSpPr>
+        <p:spPr>
+          <a:xfrm>
+            <a:off x="44577" y="1153752"/>
+            <a:ext cx="638023" cy="400110"/>
+          </a:xfrm>
+          <a:prstGeom prst="rect">
+            <a:avLst/>
+          </a:prstGeom>
+          <a:noFill/>
+        </p:spPr>
+        <p:txBody>
+          <a:bodyPr wrap="square" rtlCol="0">
+            <a:spAutoFit/>
+          </a:bodyPr>
+          <a:lstStyle/>
+          <a:p>
+            <a:pPr algn="ctr"/>
+            <a:r>
               <a:rPr lang="en-GB" sz="1000" b="1" dirty="0">
                 <a:solidFill>
                   <a:srgbClr val="FF0000"/>
@@ -6181,14 +6838,25 @@
               <a:t>Costa</a:t>
             </a:r>
           </a:p>
-        </p:txBody>
-      </p:sp>
-      <p:sp>
-        <p:nvSpPr>
-          <p:cNvPr id="63" name="TextBox 62">
+          <a:p>
+            <a:pPr algn="ctr"/>
+            <a:r>
+              <a:rPr lang="en-GB" sz="1000" b="1" dirty="0">
+                <a:solidFill>
+                  <a:srgbClr val="FF0000"/>
+                </a:solidFill>
+              </a:rPr>
+              <a:t>Rica</a:t>
+            </a:r>
+          </a:p>
+        </p:txBody>
+      </p:sp>
+      <p:sp>
+        <p:nvSpPr>
+          <p:cNvPr id="99" name="TextBox 62">
             <a:extLst>
               <a:ext uri="{FF2B5EF4-FFF2-40B4-BE49-F238E27FC236}">
-                <a16:creationId xmlns:a16="http://schemas.microsoft.com/office/drawing/2014/main" id="{BC436244-9535-4271-B18C-842F65612F52}"/>
+                <a16:creationId xmlns:a16="http://schemas.microsoft.com/office/drawing/2014/main" id="{8A9D2E5A-15E6-4E36-95B5-FCA5D8DB1701}"/>
               </a:ext>
             </a:extLst>
           </p:cNvPr>
@@ -6197,7 +6865,7 @@
         </p:nvSpPr>
         <p:spPr>
           <a:xfrm>
-            <a:off x="924889" y="2406981"/>
+            <a:off x="1558505" y="179319"/>
             <a:ext cx="795560" cy="246221"/>
           </a:xfrm>
           <a:prstGeom prst="rect">
@@ -6223,63 +6891,98 @@
           </a:p>
         </p:txBody>
       </p:sp>
-      <p:sp>
-        <p:nvSpPr>
-          <p:cNvPr id="64" name="Rectangle 63">
+      <p:cxnSp>
+        <p:nvCxnSpPr>
+          <p:cNvPr id="100" name="Connettore 2 99">
             <a:extLst>
               <a:ext uri="{FF2B5EF4-FFF2-40B4-BE49-F238E27FC236}">
-                <a16:creationId xmlns:a16="http://schemas.microsoft.com/office/drawing/2014/main" id="{F82601EC-BD9B-45BC-98EA-ABF7AE24D183}"/>
+                <a16:creationId xmlns:a16="http://schemas.microsoft.com/office/drawing/2014/main" id="{4EC27F08-5A0B-45B5-A34C-9A64E0354B4F}"/>
               </a:ext>
             </a:extLst>
           </p:cNvPr>
-          <p:cNvSpPr/>
+          <p:cNvCxnSpPr/>
           <p:nvPr/>
-        </p:nvSpPr>
+        </p:nvCxnSpPr>
         <p:spPr>
           <a:xfrm flipV="1">
-            <a:off x="498696" y="2681033"/>
-            <a:ext cx="1624313" cy="451760"/>
+            <a:off x="532581" y="1172523"/>
+            <a:ext cx="150019" cy="125031"/>
           </a:xfrm>
-          <a:prstGeom prst="rect">
+          <a:prstGeom prst="straightConnector1">
             <a:avLst/>
           </a:prstGeom>
-          <a:solidFill>
-            <a:schemeClr val="accent1">
-              <a:alpha val="25000"/>
-            </a:schemeClr>
-          </a:solidFill>
+          <a:ln>
+            <a:solidFill>
+              <a:srgbClr val="FF0000"/>
+            </a:solidFill>
+            <a:tailEnd type="triangle"/>
+          </a:ln>
         </p:spPr>
         <p:style>
-          <a:lnRef idx="2">
-            <a:schemeClr val="accent1">
-              <a:shade val="50000"/>
-            </a:schemeClr>
+          <a:lnRef idx="1">
+            <a:schemeClr val="accent1"/>
           </a:lnRef>
-          <a:fillRef idx="1">
+          <a:fillRef idx="0">
             <a:schemeClr val="accent1"/>
           </a:fillRef>
           <a:effectRef idx="0">
             <a:schemeClr val="accent1"/>
           </a:effectRef>
           <a:fontRef idx="minor">
-            <a:schemeClr val="lt1"/>
+            <a:schemeClr val="tx1"/>
           </a:fontRef>
         </p:style>
-        <p:txBody>
-          <a:bodyPr rtlCol="0" anchor="ctr"/>
-          <a:lstStyle/>
-          <a:p>
-            <a:pPr algn="ctr"/>
-            <a:endParaRPr lang="en-GB" dirty="0"/>
-          </a:p>
-        </p:txBody>
-      </p:sp>
-      <p:sp>
-        <p:nvSpPr>
-          <p:cNvPr id="65" name="TextBox 64">
+      </p:cxnSp>
+      <p:cxnSp>
+        <p:nvCxnSpPr>
+          <p:cNvPr id="101" name="Connettore 2 100">
             <a:extLst>
               <a:ext uri="{FF2B5EF4-FFF2-40B4-BE49-F238E27FC236}">
-                <a16:creationId xmlns:a16="http://schemas.microsoft.com/office/drawing/2014/main" id="{088995A7-B630-4345-87A8-1041C1663DEC}"/>
+                <a16:creationId xmlns:a16="http://schemas.microsoft.com/office/drawing/2014/main" id="{78DF9A99-D0A0-4B02-A385-67A8BF79C9F0}"/>
+              </a:ext>
+            </a:extLst>
+          </p:cNvPr>
+          <p:cNvCxnSpPr>
+            <a:cxnSpLocks/>
+          </p:cNvCxnSpPr>
+          <p:nvPr/>
+        </p:nvCxnSpPr>
+        <p:spPr>
+          <a:xfrm>
+            <a:off x="2193958" y="330420"/>
+            <a:ext cx="438012" cy="16773"/>
+          </a:xfrm>
+          <a:prstGeom prst="straightConnector1">
+            <a:avLst/>
+          </a:prstGeom>
+          <a:ln>
+            <a:solidFill>
+              <a:srgbClr val="FF0000"/>
+            </a:solidFill>
+            <a:tailEnd type="triangle"/>
+          </a:ln>
+        </p:spPr>
+        <p:style>
+          <a:lnRef idx="1">
+            <a:schemeClr val="accent1"/>
+          </a:lnRef>
+          <a:fillRef idx="0">
+            <a:schemeClr val="accent1"/>
+          </a:fillRef>
+          <a:effectRef idx="0">
+            <a:schemeClr val="accent1"/>
+          </a:effectRef>
+          <a:fontRef idx="minor">
+            <a:schemeClr val="tx1"/>
+          </a:fontRef>
+        </p:style>
+      </p:cxnSp>
+      <p:sp>
+        <p:nvSpPr>
+          <p:cNvPr id="102" name="CasellaDiTesto 6">
+            <a:extLst>
+              <a:ext uri="{FF2B5EF4-FFF2-40B4-BE49-F238E27FC236}">
+                <a16:creationId xmlns:a16="http://schemas.microsoft.com/office/drawing/2014/main" id="{F79F08A1-386F-4DB8-8444-EF4ECD141279}"/>
               </a:ext>
             </a:extLst>
           </p:cNvPr>
@@ -6288,13 +6991,20 @@
         </p:nvSpPr>
         <p:spPr>
           <a:xfrm>
-            <a:off x="428305" y="2924749"/>
-            <a:ext cx="638023" cy="246221"/>
+            <a:off x="3028801" y="59509"/>
+            <a:ext cx="252000" cy="276999"/>
           </a:xfrm>
           <a:prstGeom prst="rect">
             <a:avLst/>
           </a:prstGeom>
-          <a:noFill/>
+          <a:solidFill>
+            <a:schemeClr val="bg1"/>
+          </a:solidFill>
+          <a:ln w="19050">
+            <a:solidFill>
+              <a:schemeClr val="tx1"/>
+            </a:solidFill>
+          </a:ln>
         </p:spPr>
         <p:txBody>
           <a:bodyPr wrap="square" rtlCol="0">
@@ -6304,165 +7014,10 @@
           <a:p>
             <a:pPr algn="ctr"/>
             <a:r>
-              <a:rPr lang="en-GB" sz="1000" b="1" dirty="0">
-                <a:solidFill>
-                  <a:srgbClr val="FF0000"/>
-                </a:solidFill>
-              </a:rPr>
-              <a:t>Rica</a:t>
-            </a:r>
-          </a:p>
-        </p:txBody>
-      </p:sp>
-      <p:sp>
-        <p:nvSpPr>
-          <p:cNvPr id="66" name="TextBox 65">
-            <a:extLst>
-              <a:ext uri="{FF2B5EF4-FFF2-40B4-BE49-F238E27FC236}">
-                <a16:creationId xmlns:a16="http://schemas.microsoft.com/office/drawing/2014/main" id="{F0E9FBDF-A36C-4714-8E4E-0D704FCC6D91}"/>
-              </a:ext>
-            </a:extLst>
-          </p:cNvPr>
-          <p:cNvSpPr txBox="1"/>
-          <p:nvPr/>
-        </p:nvSpPr>
-        <p:spPr>
-          <a:xfrm>
-            <a:off x="440822" y="3267525"/>
-            <a:ext cx="1614091" cy="276999"/>
-          </a:xfrm>
-          <a:prstGeom prst="rect">
-            <a:avLst/>
-          </a:prstGeom>
-          <a:noFill/>
-        </p:spPr>
-        <p:txBody>
-          <a:bodyPr wrap="square" rtlCol="0">
-            <a:spAutoFit/>
-          </a:bodyPr>
-          <a:lstStyle/>
-          <a:p>
-            <a:r>
-              <a:rPr lang="en-GB" sz="1200" b="1" dirty="0">
-                <a:solidFill>
-                  <a:srgbClr val="0070C0"/>
-                </a:solidFill>
-              </a:rPr>
-              <a:t>Extra-Tropics</a:t>
-            </a:r>
-          </a:p>
-        </p:txBody>
-      </p:sp>
-      <p:sp>
-        <p:nvSpPr>
-          <p:cNvPr id="67" name="TextBox 66">
-            <a:extLst>
-              <a:ext uri="{FF2B5EF4-FFF2-40B4-BE49-F238E27FC236}">
-                <a16:creationId xmlns:a16="http://schemas.microsoft.com/office/drawing/2014/main" id="{6177EF15-D158-44AC-A3EF-083DC7AFB96D}"/>
-              </a:ext>
-            </a:extLst>
-          </p:cNvPr>
-          <p:cNvSpPr txBox="1"/>
-          <p:nvPr/>
-        </p:nvSpPr>
-        <p:spPr>
-          <a:xfrm>
-            <a:off x="-103819" y="4416995"/>
-            <a:ext cx="3467279" cy="307777"/>
-          </a:xfrm>
-          <a:prstGeom prst="rect">
-            <a:avLst/>
-          </a:prstGeom>
-          <a:noFill/>
-        </p:spPr>
-        <p:txBody>
-          <a:bodyPr wrap="square" rtlCol="0">
-            <a:spAutoFit/>
-          </a:bodyPr>
-          <a:lstStyle/>
-          <a:p>
-            <a:pPr algn="ctr"/>
-            <a:r>
-              <a:rPr lang="en-GB" sz="1400" b="1" dirty="0"/>
-              <a:t>Hungary</a:t>
-            </a:r>
-          </a:p>
-        </p:txBody>
-      </p:sp>
-      <p:sp>
-        <p:nvSpPr>
-          <p:cNvPr id="68" name="TextBox 67">
-            <a:extLst>
-              <a:ext uri="{FF2B5EF4-FFF2-40B4-BE49-F238E27FC236}">
-                <a16:creationId xmlns:a16="http://schemas.microsoft.com/office/drawing/2014/main" id="{C79D102E-9EB2-42A7-BE5E-3DE2255640AF}"/>
-              </a:ext>
-            </a:extLst>
-          </p:cNvPr>
-          <p:cNvSpPr txBox="1"/>
-          <p:nvPr/>
-        </p:nvSpPr>
-        <p:spPr>
-          <a:xfrm>
-            <a:off x="75306" y="504377"/>
-            <a:ext cx="3467279" cy="307777"/>
-          </a:xfrm>
-          <a:prstGeom prst="rect">
-            <a:avLst/>
-          </a:prstGeom>
-          <a:noFill/>
-        </p:spPr>
-        <p:txBody>
-          <a:bodyPr wrap="square" rtlCol="0">
-            <a:spAutoFit/>
-          </a:bodyPr>
-          <a:lstStyle/>
-          <a:p>
-            <a:pPr algn="ctr"/>
-            <a:r>
-              <a:rPr lang="en-GB" sz="1400" b="1" dirty="0"/>
-              <a:t>Costa Rica</a:t>
-            </a:r>
-          </a:p>
-        </p:txBody>
-      </p:sp>
-      <p:sp>
-        <p:nvSpPr>
-          <p:cNvPr id="69" name="TextBox 68">
-            <a:extLst>
-              <a:ext uri="{FF2B5EF4-FFF2-40B4-BE49-F238E27FC236}">
-                <a16:creationId xmlns:a16="http://schemas.microsoft.com/office/drawing/2014/main" id="{AA3CBB8D-A95D-406E-8C00-15238610F5D1}"/>
-              </a:ext>
-            </a:extLst>
-          </p:cNvPr>
-          <p:cNvSpPr txBox="1"/>
-          <p:nvPr/>
-        </p:nvSpPr>
-        <p:spPr>
-          <a:xfrm>
-            <a:off x="1170316" y="1143920"/>
-            <a:ext cx="846785" cy="246221"/>
-          </a:xfrm>
-          <a:prstGeom prst="rect">
-            <a:avLst/>
-          </a:prstGeom>
-          <a:noFill/>
-        </p:spPr>
-        <p:txBody>
-          <a:bodyPr wrap="square" rtlCol="0">
-            <a:spAutoFit/>
-          </a:bodyPr>
-          <a:lstStyle/>
-          <a:p>
-            <a:pPr algn="ctr"/>
-            <a:r>
-              <a:rPr lang="en-GB" sz="1000" dirty="0"/>
-              <a:t>San Jos</a:t>
-            </a:r>
-            <a:r>
-              <a:rPr lang="es-ES" sz="1000" dirty="0"/>
-              <a:t>é</a:t>
-            </a:r>
-            <a:endParaRPr lang="en-GB" sz="1000" dirty="0"/>
+              <a:rPr lang="es-ES" sz="1200" b="1" dirty="0"/>
+              <a:t>a</a:t>
+            </a:r>
+            <a:endParaRPr lang="en-GB" sz="1200" b="1" dirty="0"/>
           </a:p>
         </p:txBody>
       </p:sp>
@@ -6482,7 +7037,7 @@
 <file path=ppt/theme/theme1.xml><?xml version="1.0" encoding="utf-8"?>
 <a:theme xmlns:a="http://schemas.openxmlformats.org/drawingml/2006/main" name="Tema di Office">
   <a:themeElements>
-    <a:clrScheme name="Office Theme">
+    <a:clrScheme name="Tema di Office">
       <a:dk1>
         <a:sysClr val="windowText" lastClr="000000"/>
       </a:dk1>
@@ -6520,7 +7075,7 @@
         <a:srgbClr val="954F72"/>
       </a:folHlink>
     </a:clrScheme>
-    <a:fontScheme name="Office Theme">
+    <a:fontScheme name="Tema di Office">
       <a:majorFont>
         <a:latin typeface="Calibri Light" panose="020F0302020204030204"/>
         <a:ea typeface=""/>
@@ -6592,7 +7147,7 @@
         <a:font script="Geor" typeface="Sylfaen"/>
       </a:minorFont>
     </a:fontScheme>
-    <a:fmtScheme name="Office Theme">
+    <a:fmtScheme name="Tema di Office">
       <a:fillStyleLst>
         <a:solidFill>
           <a:schemeClr val="phClr"/>
